--- a/Final Project/Task_4b/Flood Impact Detection on Roads Using U-Net.pptx
+++ b/Final Project/Task_4b/Flood Impact Detection on Roads Using U-Net.pptx
@@ -5,30 +5,37 @@
     <p:sldMasterId id="2147483659" r:id="rId1"/>
   </p:sldMasterIdLst>
   <p:notesMasterIdLst>
-    <p:notesMasterId r:id="rId6"/>
+    <p:notesMasterId r:id="rId13"/>
   </p:notesMasterIdLst>
   <p:sldIdLst>
-    <p:sldId id="256" r:id="rId2"/>
+    <p:sldId id="267" r:id="rId2"/>
     <p:sldId id="257" r:id="rId3"/>
     <p:sldId id="258" r:id="rId4"/>
     <p:sldId id="259" r:id="rId5"/>
+    <p:sldId id="260" r:id="rId6"/>
+    <p:sldId id="261" r:id="rId7"/>
+    <p:sldId id="262" r:id="rId8"/>
+    <p:sldId id="263" r:id="rId9"/>
+    <p:sldId id="264" r:id="rId10"/>
+    <p:sldId id="265" r:id="rId11"/>
+    <p:sldId id="266" r:id="rId12"/>
   </p:sldIdLst>
   <p:sldSz cx="9144000" cy="5143500" type="screen16x9"/>
   <p:notesSz cx="6858000" cy="9144000"/>
   <p:embeddedFontLst>
     <p:embeddedFont>
       <p:font typeface="Lato" panose="020F0502020204030203" pitchFamily="34" charset="0"/>
-      <p:regular r:id="rId7"/>
-      <p:bold r:id="rId8"/>
-      <p:italic r:id="rId9"/>
-      <p:boldItalic r:id="rId10"/>
+      <p:regular r:id="rId14"/>
+      <p:bold r:id="rId15"/>
+      <p:italic r:id="rId16"/>
+      <p:boldItalic r:id="rId17"/>
     </p:embeddedFont>
     <p:embeddedFont>
       <p:font typeface="Raleway" pitchFamily="2" charset="0"/>
-      <p:regular r:id="rId11"/>
-      <p:bold r:id="rId12"/>
-      <p:italic r:id="rId13"/>
-      <p:boldItalic r:id="rId14"/>
+      <p:regular r:id="rId18"/>
+      <p:bold r:id="rId19"/>
+      <p:italic r:id="rId20"/>
+      <p:boldItalic r:id="rId21"/>
     </p:embeddedFont>
   </p:embeddedFontLst>
   <p:defaultTextStyle>
@@ -824,12 +831,12 @@
 </p:notes>
 </file>
 
-<file path=ppt/notesSlides/notesSlide2.xml><?xml version="1.0" encoding="utf-8"?>
+<file path=ppt/notesSlides/notesSlide10.xml><?xml version="1.0" encoding="utf-8"?>
 <p:notes xmlns:a="http://schemas.openxmlformats.org/drawingml/2006/main" xmlns:r="http://schemas.openxmlformats.org/officeDocument/2006/relationships" xmlns:p="http://schemas.openxmlformats.org/presentationml/2006/main" showMasterSp="0" showMasterPhAnim="0">
   <p:cSld>
     <p:spTree>
       <p:nvGrpSpPr>
-        <p:cNvPr id="1" name="Shape 91"/>
+        <p:cNvPr id="1" name="Shape 142"/>
         <p:cNvGrpSpPr/>
         <p:nvPr/>
       </p:nvGrpSpPr>
@@ -843,7 +850,7 @@
       </p:grpSpPr>
       <p:sp>
         <p:nvSpPr>
-          <p:cNvPr id="92" name="Google Shape;92;g2fd42abebfb_0_102:notes"/>
+          <p:cNvPr id="143" name="Google Shape;143;g300629e3c0a_0_23:notes"/>
           <p:cNvSpPr>
             <a:spLocks noGrp="1" noRot="1" noChangeAspect="1"/>
           </p:cNvSpPr>
@@ -884,7 +891,7 @@
       </p:sp>
       <p:sp>
         <p:nvSpPr>
-          <p:cNvPr id="93" name="Google Shape;93;g2fd42abebfb_0_102:notes"/>
+          <p:cNvPr id="144" name="Google Shape;144;g300629e3c0a_0_23:notes"/>
           <p:cNvSpPr txBox="1">
             <a:spLocks noGrp="1"/>
           </p:cNvSpPr>
@@ -928,12 +935,12 @@
 </p:notes>
 </file>
 
-<file path=ppt/notesSlides/notesSlide3.xml><?xml version="1.0" encoding="utf-8"?>
+<file path=ppt/notesSlides/notesSlide11.xml><?xml version="1.0" encoding="utf-8"?>
 <p:notes xmlns:a="http://schemas.openxmlformats.org/drawingml/2006/main" xmlns:r="http://schemas.openxmlformats.org/officeDocument/2006/relationships" xmlns:p="http://schemas.openxmlformats.org/presentationml/2006/main" showMasterSp="0" showMasterPhAnim="0">
   <p:cSld>
     <p:spTree>
       <p:nvGrpSpPr>
-        <p:cNvPr id="1" name="Shape 97"/>
+        <p:cNvPr id="1" name="Shape 149"/>
         <p:cNvGrpSpPr/>
         <p:nvPr/>
       </p:nvGrpSpPr>
@@ -947,7 +954,7 @@
       </p:grpSpPr>
       <p:sp>
         <p:nvSpPr>
-          <p:cNvPr id="98" name="Google Shape;98;g2fd42abebfb_0_109:notes"/>
+          <p:cNvPr id="150" name="Google Shape;150;g300629e3c0a_0_31:notes"/>
           <p:cNvSpPr>
             <a:spLocks noGrp="1" noRot="1" noChangeAspect="1"/>
           </p:cNvSpPr>
@@ -988,7 +995,7 @@
       </p:sp>
       <p:sp>
         <p:nvSpPr>
-          <p:cNvPr id="99" name="Google Shape;99;g2fd42abebfb_0_109:notes"/>
+          <p:cNvPr id="151" name="Google Shape;151;g300629e3c0a_0_31:notes"/>
           <p:cNvSpPr txBox="1">
             <a:spLocks noGrp="1"/>
           </p:cNvSpPr>
@@ -1032,12 +1039,12 @@
 </p:notes>
 </file>
 
-<file path=ppt/notesSlides/notesSlide4.xml><?xml version="1.0" encoding="utf-8"?>
+<file path=ppt/notesSlides/notesSlide2.xml><?xml version="1.0" encoding="utf-8"?>
 <p:notes xmlns:a="http://schemas.openxmlformats.org/drawingml/2006/main" xmlns:r="http://schemas.openxmlformats.org/officeDocument/2006/relationships" xmlns:p="http://schemas.openxmlformats.org/presentationml/2006/main" showMasterSp="0" showMasterPhAnim="0">
   <p:cSld>
     <p:spTree>
       <p:nvGrpSpPr>
-        <p:cNvPr id="1" name="Shape 103"/>
+        <p:cNvPr id="1" name="Shape 90"/>
         <p:cNvGrpSpPr/>
         <p:nvPr/>
       </p:nvGrpSpPr>
@@ -1051,7 +1058,111 @@
       </p:grpSpPr>
       <p:sp>
         <p:nvSpPr>
-          <p:cNvPr id="104" name="Google Shape;104;g2fd42abebfb_0_195:notes"/>
+          <p:cNvPr id="91" name="Google Shape;91;g2fd42abebfb_0_102:notes"/>
+          <p:cNvSpPr>
+            <a:spLocks noGrp="1" noRot="1" noChangeAspect="1"/>
+          </p:cNvSpPr>
+          <p:nvPr>
+            <p:ph type="sldImg" idx="2"/>
+          </p:nvPr>
+        </p:nvSpPr>
+        <p:spPr>
+          <a:xfrm>
+            <a:off x="381000" y="685800"/>
+            <a:ext cx="6096000" cy="3429000"/>
+          </a:xfrm>
+          <a:custGeom>
+            <a:avLst/>
+            <a:gdLst/>
+            <a:ahLst/>
+            <a:cxnLst/>
+            <a:rect l="l" t="t" r="r" b="b"/>
+            <a:pathLst>
+              <a:path w="120000" h="120000" extrusionOk="0">
+                <a:moveTo>
+                  <a:pt x="0" y="0"/>
+                </a:moveTo>
+                <a:lnTo>
+                  <a:pt x="120000" y="0"/>
+                </a:lnTo>
+                <a:lnTo>
+                  <a:pt x="120000" y="120000"/>
+                </a:lnTo>
+                <a:lnTo>
+                  <a:pt x="0" y="120000"/>
+                </a:lnTo>
+                <a:close/>
+              </a:path>
+            </a:pathLst>
+          </a:custGeom>
+        </p:spPr>
+      </p:sp>
+      <p:sp>
+        <p:nvSpPr>
+          <p:cNvPr id="92" name="Google Shape;92;g2fd42abebfb_0_102:notes"/>
+          <p:cNvSpPr txBox="1">
+            <a:spLocks noGrp="1"/>
+          </p:cNvSpPr>
+          <p:nvPr>
+            <p:ph type="body" idx="1"/>
+          </p:nvPr>
+        </p:nvSpPr>
+        <p:spPr>
+          <a:xfrm>
+            <a:off x="685800" y="4343400"/>
+            <a:ext cx="5486400" cy="4114800"/>
+          </a:xfrm>
+          <a:prstGeom prst="rect">
+            <a:avLst/>
+          </a:prstGeom>
+        </p:spPr>
+        <p:txBody>
+          <a:bodyPr spcFirstLastPara="1" wrap="square" lIns="91425" tIns="91425" rIns="91425" bIns="91425" anchor="t" anchorCtr="0">
+            <a:noAutofit/>
+          </a:bodyPr>
+          <a:lstStyle/>
+          <a:p>
+            <a:pPr marL="0" lvl="0" indent="0" algn="l" rtl="0">
+              <a:spcBef>
+                <a:spcPts val="0"/>
+              </a:spcBef>
+              <a:spcAft>
+                <a:spcPts val="0"/>
+              </a:spcAft>
+              <a:buNone/>
+            </a:pPr>
+            <a:endParaRPr/>
+          </a:p>
+        </p:txBody>
+      </p:sp>
+    </p:spTree>
+  </p:cSld>
+  <p:clrMapOvr>
+    <a:masterClrMapping/>
+  </p:clrMapOvr>
+</p:notes>
+</file>
+
+<file path=ppt/notesSlides/notesSlide3.xml><?xml version="1.0" encoding="utf-8"?>
+<p:notes xmlns:a="http://schemas.openxmlformats.org/drawingml/2006/main" xmlns:r="http://schemas.openxmlformats.org/officeDocument/2006/relationships" xmlns:p="http://schemas.openxmlformats.org/presentationml/2006/main" showMasterSp="0" showMasterPhAnim="0">
+  <p:cSld>
+    <p:spTree>
+      <p:nvGrpSpPr>
+        <p:cNvPr id="1" name="Shape 96"/>
+        <p:cNvGrpSpPr/>
+        <p:nvPr/>
+      </p:nvGrpSpPr>
+      <p:grpSpPr>
+        <a:xfrm>
+          <a:off x="0" y="0"/>
+          <a:ext cx="0" cy="0"/>
+          <a:chOff x="0" y="0"/>
+          <a:chExt cx="0" cy="0"/>
+        </a:xfrm>
+      </p:grpSpPr>
+      <p:sp>
+        <p:nvSpPr>
+          <p:cNvPr id="97" name="Google Shape;97;g2fd42abebfb_0_109:notes"/>
           <p:cNvSpPr>
             <a:spLocks noGrp="1" noRot="1" noChangeAspect="1"/>
           </p:cNvSpPr>
@@ -1092,7 +1203,631 @@
       </p:sp>
       <p:sp>
         <p:nvSpPr>
-          <p:cNvPr id="105" name="Google Shape;105;g2fd42abebfb_0_195:notes"/>
+          <p:cNvPr id="98" name="Google Shape;98;g2fd42abebfb_0_109:notes"/>
+          <p:cNvSpPr txBox="1">
+            <a:spLocks noGrp="1"/>
+          </p:cNvSpPr>
+          <p:nvPr>
+            <p:ph type="body" idx="1"/>
+          </p:nvPr>
+        </p:nvSpPr>
+        <p:spPr>
+          <a:xfrm>
+            <a:off x="685800" y="4343400"/>
+            <a:ext cx="5486400" cy="4114800"/>
+          </a:xfrm>
+          <a:prstGeom prst="rect">
+            <a:avLst/>
+          </a:prstGeom>
+        </p:spPr>
+        <p:txBody>
+          <a:bodyPr spcFirstLastPara="1" wrap="square" lIns="91425" tIns="91425" rIns="91425" bIns="91425" anchor="t" anchorCtr="0">
+            <a:noAutofit/>
+          </a:bodyPr>
+          <a:lstStyle/>
+          <a:p>
+            <a:pPr marL="0" lvl="0" indent="0" algn="l" rtl="0">
+              <a:spcBef>
+                <a:spcPts val="0"/>
+              </a:spcBef>
+              <a:spcAft>
+                <a:spcPts val="0"/>
+              </a:spcAft>
+              <a:buNone/>
+            </a:pPr>
+            <a:endParaRPr/>
+          </a:p>
+        </p:txBody>
+      </p:sp>
+    </p:spTree>
+  </p:cSld>
+  <p:clrMapOvr>
+    <a:masterClrMapping/>
+  </p:clrMapOvr>
+</p:notes>
+</file>
+
+<file path=ppt/notesSlides/notesSlide4.xml><?xml version="1.0" encoding="utf-8"?>
+<p:notes xmlns:a="http://schemas.openxmlformats.org/drawingml/2006/main" xmlns:r="http://schemas.openxmlformats.org/officeDocument/2006/relationships" xmlns:p="http://schemas.openxmlformats.org/presentationml/2006/main" showMasterSp="0" showMasterPhAnim="0">
+  <p:cSld>
+    <p:spTree>
+      <p:nvGrpSpPr>
+        <p:cNvPr id="1" name="Shape 102"/>
+        <p:cNvGrpSpPr/>
+        <p:nvPr/>
+      </p:nvGrpSpPr>
+      <p:grpSpPr>
+        <a:xfrm>
+          <a:off x="0" y="0"/>
+          <a:ext cx="0" cy="0"/>
+          <a:chOff x="0" y="0"/>
+          <a:chExt cx="0" cy="0"/>
+        </a:xfrm>
+      </p:grpSpPr>
+      <p:sp>
+        <p:nvSpPr>
+          <p:cNvPr id="103" name="Google Shape;103;g2fd42abebfb_0_195:notes"/>
+          <p:cNvSpPr>
+            <a:spLocks noGrp="1" noRot="1" noChangeAspect="1"/>
+          </p:cNvSpPr>
+          <p:nvPr>
+            <p:ph type="sldImg" idx="2"/>
+          </p:nvPr>
+        </p:nvSpPr>
+        <p:spPr>
+          <a:xfrm>
+            <a:off x="381000" y="685800"/>
+            <a:ext cx="6096000" cy="3429000"/>
+          </a:xfrm>
+          <a:custGeom>
+            <a:avLst/>
+            <a:gdLst/>
+            <a:ahLst/>
+            <a:cxnLst/>
+            <a:rect l="l" t="t" r="r" b="b"/>
+            <a:pathLst>
+              <a:path w="120000" h="120000" extrusionOk="0">
+                <a:moveTo>
+                  <a:pt x="0" y="0"/>
+                </a:moveTo>
+                <a:lnTo>
+                  <a:pt x="120000" y="0"/>
+                </a:lnTo>
+                <a:lnTo>
+                  <a:pt x="120000" y="120000"/>
+                </a:lnTo>
+                <a:lnTo>
+                  <a:pt x="0" y="120000"/>
+                </a:lnTo>
+                <a:close/>
+              </a:path>
+            </a:pathLst>
+          </a:custGeom>
+        </p:spPr>
+      </p:sp>
+      <p:sp>
+        <p:nvSpPr>
+          <p:cNvPr id="104" name="Google Shape;104;g2fd42abebfb_0_195:notes"/>
+          <p:cNvSpPr txBox="1">
+            <a:spLocks noGrp="1"/>
+          </p:cNvSpPr>
+          <p:nvPr>
+            <p:ph type="body" idx="1"/>
+          </p:nvPr>
+        </p:nvSpPr>
+        <p:spPr>
+          <a:xfrm>
+            <a:off x="685800" y="4343400"/>
+            <a:ext cx="5486400" cy="4114800"/>
+          </a:xfrm>
+          <a:prstGeom prst="rect">
+            <a:avLst/>
+          </a:prstGeom>
+        </p:spPr>
+        <p:txBody>
+          <a:bodyPr spcFirstLastPara="1" wrap="square" lIns="91425" tIns="91425" rIns="91425" bIns="91425" anchor="t" anchorCtr="0">
+            <a:noAutofit/>
+          </a:bodyPr>
+          <a:lstStyle/>
+          <a:p>
+            <a:pPr marL="0" lvl="0" indent="0" algn="l" rtl="0">
+              <a:spcBef>
+                <a:spcPts val="0"/>
+              </a:spcBef>
+              <a:spcAft>
+                <a:spcPts val="0"/>
+              </a:spcAft>
+              <a:buNone/>
+            </a:pPr>
+            <a:endParaRPr/>
+          </a:p>
+        </p:txBody>
+      </p:sp>
+    </p:spTree>
+  </p:cSld>
+  <p:clrMapOvr>
+    <a:masterClrMapping/>
+  </p:clrMapOvr>
+</p:notes>
+</file>
+
+<file path=ppt/notesSlides/notesSlide5.xml><?xml version="1.0" encoding="utf-8"?>
+<p:notes xmlns:a="http://schemas.openxmlformats.org/drawingml/2006/main" xmlns:r="http://schemas.openxmlformats.org/officeDocument/2006/relationships" xmlns:p="http://schemas.openxmlformats.org/presentationml/2006/main" showMasterSp="0" showMasterPhAnim="0">
+  <p:cSld>
+    <p:spTree>
+      <p:nvGrpSpPr>
+        <p:cNvPr id="1" name="Shape 108"/>
+        <p:cNvGrpSpPr/>
+        <p:nvPr/>
+      </p:nvGrpSpPr>
+      <p:grpSpPr>
+        <a:xfrm>
+          <a:off x="0" y="0"/>
+          <a:ext cx="0" cy="0"/>
+          <a:chOff x="0" y="0"/>
+          <a:chExt cx="0" cy="0"/>
+        </a:xfrm>
+      </p:grpSpPr>
+      <p:sp>
+        <p:nvSpPr>
+          <p:cNvPr id="109" name="Google Shape;109;g3002c3b4d6b_0_5:notes"/>
+          <p:cNvSpPr>
+            <a:spLocks noGrp="1" noRot="1" noChangeAspect="1"/>
+          </p:cNvSpPr>
+          <p:nvPr>
+            <p:ph type="sldImg" idx="2"/>
+          </p:nvPr>
+        </p:nvSpPr>
+        <p:spPr>
+          <a:xfrm>
+            <a:off x="381300" y="685800"/>
+            <a:ext cx="6096000" cy="3429000"/>
+          </a:xfrm>
+          <a:custGeom>
+            <a:avLst/>
+            <a:gdLst/>
+            <a:ahLst/>
+            <a:cxnLst/>
+            <a:rect l="l" t="t" r="r" b="b"/>
+            <a:pathLst>
+              <a:path w="120000" h="120000" extrusionOk="0">
+                <a:moveTo>
+                  <a:pt x="0" y="0"/>
+                </a:moveTo>
+                <a:lnTo>
+                  <a:pt x="120000" y="0"/>
+                </a:lnTo>
+                <a:lnTo>
+                  <a:pt x="120000" y="120000"/>
+                </a:lnTo>
+                <a:lnTo>
+                  <a:pt x="0" y="120000"/>
+                </a:lnTo>
+                <a:close/>
+              </a:path>
+            </a:pathLst>
+          </a:custGeom>
+        </p:spPr>
+      </p:sp>
+      <p:sp>
+        <p:nvSpPr>
+          <p:cNvPr id="110" name="Google Shape;110;g3002c3b4d6b_0_5:notes"/>
+          <p:cNvSpPr txBox="1">
+            <a:spLocks noGrp="1"/>
+          </p:cNvSpPr>
+          <p:nvPr>
+            <p:ph type="body" idx="1"/>
+          </p:nvPr>
+        </p:nvSpPr>
+        <p:spPr>
+          <a:xfrm>
+            <a:off x="685800" y="4343400"/>
+            <a:ext cx="5486400" cy="4114800"/>
+          </a:xfrm>
+          <a:prstGeom prst="rect">
+            <a:avLst/>
+          </a:prstGeom>
+        </p:spPr>
+        <p:txBody>
+          <a:bodyPr spcFirstLastPara="1" wrap="square" lIns="91425" tIns="91425" rIns="91425" bIns="91425" anchor="t" anchorCtr="0">
+            <a:noAutofit/>
+          </a:bodyPr>
+          <a:lstStyle/>
+          <a:p>
+            <a:pPr marL="0" lvl="0" indent="0" algn="l" rtl="0">
+              <a:spcBef>
+                <a:spcPts val="0"/>
+              </a:spcBef>
+              <a:spcAft>
+                <a:spcPts val="0"/>
+              </a:spcAft>
+              <a:buNone/>
+            </a:pPr>
+            <a:endParaRPr/>
+          </a:p>
+        </p:txBody>
+      </p:sp>
+    </p:spTree>
+  </p:cSld>
+  <p:clrMapOvr>
+    <a:masterClrMapping/>
+  </p:clrMapOvr>
+</p:notes>
+</file>
+
+<file path=ppt/notesSlides/notesSlide6.xml><?xml version="1.0" encoding="utf-8"?>
+<p:notes xmlns:a="http://schemas.openxmlformats.org/drawingml/2006/main" xmlns:r="http://schemas.openxmlformats.org/officeDocument/2006/relationships" xmlns:p="http://schemas.openxmlformats.org/presentationml/2006/main" showMasterSp="0" showMasterPhAnim="0">
+  <p:cSld>
+    <p:spTree>
+      <p:nvGrpSpPr>
+        <p:cNvPr id="1" name="Shape 115"/>
+        <p:cNvGrpSpPr/>
+        <p:nvPr/>
+      </p:nvGrpSpPr>
+      <p:grpSpPr>
+        <a:xfrm>
+          <a:off x="0" y="0"/>
+          <a:ext cx="0" cy="0"/>
+          <a:chOff x="0" y="0"/>
+          <a:chExt cx="0" cy="0"/>
+        </a:xfrm>
+      </p:grpSpPr>
+      <p:sp>
+        <p:nvSpPr>
+          <p:cNvPr id="116" name="Google Shape;116;g300b967b165_0_0:notes"/>
+          <p:cNvSpPr>
+            <a:spLocks noGrp="1" noRot="1" noChangeAspect="1"/>
+          </p:cNvSpPr>
+          <p:nvPr>
+            <p:ph type="sldImg" idx="2"/>
+          </p:nvPr>
+        </p:nvSpPr>
+        <p:spPr>
+          <a:xfrm>
+            <a:off x="381300" y="685800"/>
+            <a:ext cx="6096000" cy="3429000"/>
+          </a:xfrm>
+          <a:custGeom>
+            <a:avLst/>
+            <a:gdLst/>
+            <a:ahLst/>
+            <a:cxnLst/>
+            <a:rect l="l" t="t" r="r" b="b"/>
+            <a:pathLst>
+              <a:path w="120000" h="120000" extrusionOk="0">
+                <a:moveTo>
+                  <a:pt x="0" y="0"/>
+                </a:moveTo>
+                <a:lnTo>
+                  <a:pt x="120000" y="0"/>
+                </a:lnTo>
+                <a:lnTo>
+                  <a:pt x="120000" y="120000"/>
+                </a:lnTo>
+                <a:lnTo>
+                  <a:pt x="0" y="120000"/>
+                </a:lnTo>
+                <a:close/>
+              </a:path>
+            </a:pathLst>
+          </a:custGeom>
+        </p:spPr>
+      </p:sp>
+      <p:sp>
+        <p:nvSpPr>
+          <p:cNvPr id="117" name="Google Shape;117;g300b967b165_0_0:notes"/>
+          <p:cNvSpPr txBox="1">
+            <a:spLocks noGrp="1"/>
+          </p:cNvSpPr>
+          <p:nvPr>
+            <p:ph type="body" idx="1"/>
+          </p:nvPr>
+        </p:nvSpPr>
+        <p:spPr>
+          <a:xfrm>
+            <a:off x="685800" y="4343400"/>
+            <a:ext cx="5486400" cy="4114800"/>
+          </a:xfrm>
+          <a:prstGeom prst="rect">
+            <a:avLst/>
+          </a:prstGeom>
+        </p:spPr>
+        <p:txBody>
+          <a:bodyPr spcFirstLastPara="1" wrap="square" lIns="91425" tIns="91425" rIns="91425" bIns="91425" anchor="t" anchorCtr="0">
+            <a:noAutofit/>
+          </a:bodyPr>
+          <a:lstStyle/>
+          <a:p>
+            <a:pPr marL="0" lvl="0" indent="0" algn="l" rtl="0">
+              <a:spcBef>
+                <a:spcPts val="0"/>
+              </a:spcBef>
+              <a:spcAft>
+                <a:spcPts val="0"/>
+              </a:spcAft>
+              <a:buNone/>
+            </a:pPr>
+            <a:endParaRPr/>
+          </a:p>
+        </p:txBody>
+      </p:sp>
+    </p:spTree>
+  </p:cSld>
+  <p:clrMapOvr>
+    <a:masterClrMapping/>
+  </p:clrMapOvr>
+</p:notes>
+</file>
+
+<file path=ppt/notesSlides/notesSlide7.xml><?xml version="1.0" encoding="utf-8"?>
+<p:notes xmlns:a="http://schemas.openxmlformats.org/drawingml/2006/main" xmlns:r="http://schemas.openxmlformats.org/officeDocument/2006/relationships" xmlns:p="http://schemas.openxmlformats.org/presentationml/2006/main" showMasterSp="0" showMasterPhAnim="0">
+  <p:cSld>
+    <p:spTree>
+      <p:nvGrpSpPr>
+        <p:cNvPr id="1" name="Shape 121"/>
+        <p:cNvGrpSpPr/>
+        <p:nvPr/>
+      </p:nvGrpSpPr>
+      <p:grpSpPr>
+        <a:xfrm>
+          <a:off x="0" y="0"/>
+          <a:ext cx="0" cy="0"/>
+          <a:chOff x="0" y="0"/>
+          <a:chExt cx="0" cy="0"/>
+        </a:xfrm>
+      </p:grpSpPr>
+      <p:sp>
+        <p:nvSpPr>
+          <p:cNvPr id="122" name="Google Shape;122;g3002c3b4d6b_0_0:notes"/>
+          <p:cNvSpPr>
+            <a:spLocks noGrp="1" noRot="1" noChangeAspect="1"/>
+          </p:cNvSpPr>
+          <p:nvPr>
+            <p:ph type="sldImg" idx="2"/>
+          </p:nvPr>
+        </p:nvSpPr>
+        <p:spPr>
+          <a:xfrm>
+            <a:off x="381300" y="685800"/>
+            <a:ext cx="6096000" cy="3429000"/>
+          </a:xfrm>
+          <a:custGeom>
+            <a:avLst/>
+            <a:gdLst/>
+            <a:ahLst/>
+            <a:cxnLst/>
+            <a:rect l="l" t="t" r="r" b="b"/>
+            <a:pathLst>
+              <a:path w="120000" h="120000" extrusionOk="0">
+                <a:moveTo>
+                  <a:pt x="0" y="0"/>
+                </a:moveTo>
+                <a:lnTo>
+                  <a:pt x="120000" y="0"/>
+                </a:lnTo>
+                <a:lnTo>
+                  <a:pt x="120000" y="120000"/>
+                </a:lnTo>
+                <a:lnTo>
+                  <a:pt x="0" y="120000"/>
+                </a:lnTo>
+                <a:close/>
+              </a:path>
+            </a:pathLst>
+          </a:custGeom>
+        </p:spPr>
+      </p:sp>
+      <p:sp>
+        <p:nvSpPr>
+          <p:cNvPr id="123" name="Google Shape;123;g3002c3b4d6b_0_0:notes"/>
+          <p:cNvSpPr txBox="1">
+            <a:spLocks noGrp="1"/>
+          </p:cNvSpPr>
+          <p:nvPr>
+            <p:ph type="body" idx="1"/>
+          </p:nvPr>
+        </p:nvSpPr>
+        <p:spPr>
+          <a:xfrm>
+            <a:off x="685800" y="4343400"/>
+            <a:ext cx="5486400" cy="4114800"/>
+          </a:xfrm>
+          <a:prstGeom prst="rect">
+            <a:avLst/>
+          </a:prstGeom>
+        </p:spPr>
+        <p:txBody>
+          <a:bodyPr spcFirstLastPara="1" wrap="square" lIns="91425" tIns="91425" rIns="91425" bIns="91425" anchor="t" anchorCtr="0">
+            <a:noAutofit/>
+          </a:bodyPr>
+          <a:lstStyle/>
+          <a:p>
+            <a:pPr marL="0" lvl="0" indent="0" algn="l" rtl="0">
+              <a:spcBef>
+                <a:spcPts val="0"/>
+              </a:spcBef>
+              <a:spcAft>
+                <a:spcPts val="0"/>
+              </a:spcAft>
+              <a:buNone/>
+            </a:pPr>
+            <a:endParaRPr/>
+          </a:p>
+        </p:txBody>
+      </p:sp>
+    </p:spTree>
+  </p:cSld>
+  <p:clrMapOvr>
+    <a:masterClrMapping/>
+  </p:clrMapOvr>
+</p:notes>
+</file>
+
+<file path=ppt/notesSlides/notesSlide8.xml><?xml version="1.0" encoding="utf-8"?>
+<p:notes xmlns:a="http://schemas.openxmlformats.org/drawingml/2006/main" xmlns:r="http://schemas.openxmlformats.org/officeDocument/2006/relationships" xmlns:p="http://schemas.openxmlformats.org/presentationml/2006/main" showMasterSp="0" showMasterPhAnim="0">
+  <p:cSld>
+    <p:spTree>
+      <p:nvGrpSpPr>
+        <p:cNvPr id="1" name="Shape 128"/>
+        <p:cNvGrpSpPr/>
+        <p:nvPr/>
+      </p:nvGrpSpPr>
+      <p:grpSpPr>
+        <a:xfrm>
+          <a:off x="0" y="0"/>
+          <a:ext cx="0" cy="0"/>
+          <a:chOff x="0" y="0"/>
+          <a:chExt cx="0" cy="0"/>
+        </a:xfrm>
+      </p:grpSpPr>
+      <p:sp>
+        <p:nvSpPr>
+          <p:cNvPr id="129" name="Google Shape;129;g300629e3c0a_0_6:notes"/>
+          <p:cNvSpPr>
+            <a:spLocks noGrp="1" noRot="1" noChangeAspect="1"/>
+          </p:cNvSpPr>
+          <p:nvPr>
+            <p:ph type="sldImg" idx="2"/>
+          </p:nvPr>
+        </p:nvSpPr>
+        <p:spPr>
+          <a:xfrm>
+            <a:off x="381300" y="685800"/>
+            <a:ext cx="6096000" cy="3429000"/>
+          </a:xfrm>
+          <a:custGeom>
+            <a:avLst/>
+            <a:gdLst/>
+            <a:ahLst/>
+            <a:cxnLst/>
+            <a:rect l="l" t="t" r="r" b="b"/>
+            <a:pathLst>
+              <a:path w="120000" h="120000" extrusionOk="0">
+                <a:moveTo>
+                  <a:pt x="0" y="0"/>
+                </a:moveTo>
+                <a:lnTo>
+                  <a:pt x="120000" y="0"/>
+                </a:lnTo>
+                <a:lnTo>
+                  <a:pt x="120000" y="120000"/>
+                </a:lnTo>
+                <a:lnTo>
+                  <a:pt x="0" y="120000"/>
+                </a:lnTo>
+                <a:close/>
+              </a:path>
+            </a:pathLst>
+          </a:custGeom>
+        </p:spPr>
+      </p:sp>
+      <p:sp>
+        <p:nvSpPr>
+          <p:cNvPr id="130" name="Google Shape;130;g300629e3c0a_0_6:notes"/>
+          <p:cNvSpPr txBox="1">
+            <a:spLocks noGrp="1"/>
+          </p:cNvSpPr>
+          <p:nvPr>
+            <p:ph type="body" idx="1"/>
+          </p:nvPr>
+        </p:nvSpPr>
+        <p:spPr>
+          <a:xfrm>
+            <a:off x="685800" y="4343400"/>
+            <a:ext cx="5486400" cy="4114800"/>
+          </a:xfrm>
+          <a:prstGeom prst="rect">
+            <a:avLst/>
+          </a:prstGeom>
+        </p:spPr>
+        <p:txBody>
+          <a:bodyPr spcFirstLastPara="1" wrap="square" lIns="91425" tIns="91425" rIns="91425" bIns="91425" anchor="t" anchorCtr="0">
+            <a:noAutofit/>
+          </a:bodyPr>
+          <a:lstStyle/>
+          <a:p>
+            <a:pPr marL="0" lvl="0" indent="0" algn="l" rtl="0">
+              <a:spcBef>
+                <a:spcPts val="0"/>
+              </a:spcBef>
+              <a:spcAft>
+                <a:spcPts val="0"/>
+              </a:spcAft>
+              <a:buNone/>
+            </a:pPr>
+            <a:endParaRPr/>
+          </a:p>
+        </p:txBody>
+      </p:sp>
+    </p:spTree>
+  </p:cSld>
+  <p:clrMapOvr>
+    <a:masterClrMapping/>
+  </p:clrMapOvr>
+</p:notes>
+</file>
+
+<file path=ppt/notesSlides/notesSlide9.xml><?xml version="1.0" encoding="utf-8"?>
+<p:notes xmlns:a="http://schemas.openxmlformats.org/drawingml/2006/main" xmlns:r="http://schemas.openxmlformats.org/officeDocument/2006/relationships" xmlns:p="http://schemas.openxmlformats.org/presentationml/2006/main" showMasterSp="0" showMasterPhAnim="0">
+  <p:cSld>
+    <p:spTree>
+      <p:nvGrpSpPr>
+        <p:cNvPr id="1" name="Shape 135"/>
+        <p:cNvGrpSpPr/>
+        <p:nvPr/>
+      </p:nvGrpSpPr>
+      <p:grpSpPr>
+        <a:xfrm>
+          <a:off x="0" y="0"/>
+          <a:ext cx="0" cy="0"/>
+          <a:chOff x="0" y="0"/>
+          <a:chExt cx="0" cy="0"/>
+        </a:xfrm>
+      </p:grpSpPr>
+      <p:sp>
+        <p:nvSpPr>
+          <p:cNvPr id="136" name="Google Shape;136;g300629e3c0a_0_14:notes"/>
+          <p:cNvSpPr>
+            <a:spLocks noGrp="1" noRot="1" noChangeAspect="1"/>
+          </p:cNvSpPr>
+          <p:nvPr>
+            <p:ph type="sldImg" idx="2"/>
+          </p:nvPr>
+        </p:nvSpPr>
+        <p:spPr>
+          <a:xfrm>
+            <a:off x="381300" y="685800"/>
+            <a:ext cx="6096000" cy="3429000"/>
+          </a:xfrm>
+          <a:custGeom>
+            <a:avLst/>
+            <a:gdLst/>
+            <a:ahLst/>
+            <a:cxnLst/>
+            <a:rect l="l" t="t" r="r" b="b"/>
+            <a:pathLst>
+              <a:path w="120000" h="120000" extrusionOk="0">
+                <a:moveTo>
+                  <a:pt x="0" y="0"/>
+                </a:moveTo>
+                <a:lnTo>
+                  <a:pt x="120000" y="0"/>
+                </a:lnTo>
+                <a:lnTo>
+                  <a:pt x="120000" y="120000"/>
+                </a:lnTo>
+                <a:lnTo>
+                  <a:pt x="0" y="120000"/>
+                </a:lnTo>
+                <a:close/>
+              </a:path>
+            </a:pathLst>
+          </a:custGeom>
+        </p:spPr>
+      </p:sp>
+      <p:sp>
+        <p:nvSpPr>
+          <p:cNvPr id="137" name="Google Shape;137;g300629e3c0a_0_14:notes"/>
           <p:cNvSpPr txBox="1">
             <a:spLocks noGrp="1"/>
           </p:cNvSpPr>
@@ -7529,14 +8264,14 @@
               <a:buNone/>
             </a:pPr>
             <a:r>
-              <a:rPr lang="en" sz="3000">
+              <a:rPr lang="en" sz="3000" dirty="0">
                 <a:highlight>
                   <a:srgbClr val="E8EAED"/>
                 </a:highlight>
               </a:rPr>
               <a:t>Flood Impact Detection on Roads Using U-Net</a:t>
             </a:r>
-            <a:endParaRPr sz="3000">
+            <a:endParaRPr sz="3000" dirty="0">
               <a:highlight>
                 <a:srgbClr val="E8EAED"/>
               </a:highlight>
@@ -7981,12 +8716,12 @@
 </p:sld>
 </file>
 
-<file path=ppt/slides/slide2.xml><?xml version="1.0" encoding="utf-8"?>
+<file path=ppt/slides/slide10.xml><?xml version="1.0" encoding="utf-8"?>
 <p:sld xmlns:a="http://schemas.openxmlformats.org/drawingml/2006/main" xmlns:r="http://schemas.openxmlformats.org/officeDocument/2006/relationships" xmlns:p="http://schemas.openxmlformats.org/presentationml/2006/main">
   <p:cSld>
     <p:spTree>
       <p:nvGrpSpPr>
-        <p:cNvPr id="1" name="Shape 94"/>
+        <p:cNvPr id="1" name="Shape 145"/>
         <p:cNvGrpSpPr/>
         <p:nvPr/>
       </p:nvGrpSpPr>
@@ -8000,7 +8735,7 @@
       </p:grpSpPr>
       <p:sp>
         <p:nvSpPr>
-          <p:cNvPr id="95" name="Google Shape;95;p14"/>
+          <p:cNvPr id="146" name="Google Shape;146;p22"/>
           <p:cNvSpPr txBox="1">
             <a:spLocks noGrp="1"/>
           </p:cNvSpPr>
@@ -8034,6 +8769,636 @@
             </a:pPr>
             <a:r>
               <a:rPr lang="en"/>
+              <a:t>Validation Data Generators (Without Augmentation)</a:t>
+            </a:r>
+            <a:endParaRPr/>
+          </a:p>
+        </p:txBody>
+      </p:sp>
+      <p:sp>
+        <p:nvSpPr>
+          <p:cNvPr id="147" name="Google Shape;147;p22"/>
+          <p:cNvSpPr txBox="1">
+            <a:spLocks noGrp="1"/>
+          </p:cNvSpPr>
+          <p:nvPr>
+            <p:ph type="body" idx="1"/>
+          </p:nvPr>
+        </p:nvSpPr>
+        <p:spPr>
+          <a:xfrm>
+            <a:off x="729450" y="2078875"/>
+            <a:ext cx="4239900" cy="2261100"/>
+          </a:xfrm>
+          <a:prstGeom prst="rect">
+            <a:avLst/>
+          </a:prstGeom>
+        </p:spPr>
+        <p:txBody>
+          <a:bodyPr spcFirstLastPara="1" wrap="square" lIns="91425" tIns="91425" rIns="91425" bIns="91425" anchor="t" anchorCtr="0">
+            <a:noAutofit/>
+          </a:bodyPr>
+          <a:lstStyle/>
+          <a:p>
+            <a:pPr marL="0" lvl="0" indent="0" algn="l" rtl="0">
+              <a:spcBef>
+                <a:spcPts val="1200"/>
+              </a:spcBef>
+              <a:spcAft>
+                <a:spcPts val="0"/>
+              </a:spcAft>
+              <a:buNone/>
+            </a:pPr>
+            <a:r>
+              <a:rPr lang="en" sz="1400">
+                <a:latin typeface="Times New Roman"/>
+                <a:ea typeface="Times New Roman"/>
+                <a:cs typeface="Times New Roman"/>
+                <a:sym typeface="Times New Roman"/>
+              </a:rPr>
+              <a:t>- </a:t>
+            </a:r>
+            <a:r>
+              <a:rPr lang="en" sz="1400" b="1">
+                <a:latin typeface="Times New Roman"/>
+                <a:ea typeface="Times New Roman"/>
+                <a:cs typeface="Times New Roman"/>
+                <a:sym typeface="Times New Roman"/>
+              </a:rPr>
+              <a:t>image_test_datagen and mask_test_datagen: </a:t>
+            </a:r>
+            <a:r>
+              <a:rPr lang="en" sz="1400">
+                <a:latin typeface="Times New Roman"/>
+                <a:ea typeface="Times New Roman"/>
+                <a:cs typeface="Times New Roman"/>
+                <a:sym typeface="Times New Roman"/>
+              </a:rPr>
+              <a:t>Data generators without augmentation. These are used for validation data (`v_x` for images and `v_y` for masks).</a:t>
+            </a:r>
+            <a:endParaRPr sz="1400">
+              <a:latin typeface="Times New Roman"/>
+              <a:ea typeface="Times New Roman"/>
+              <a:cs typeface="Times New Roman"/>
+              <a:sym typeface="Times New Roman"/>
+            </a:endParaRPr>
+          </a:p>
+          <a:p>
+            <a:pPr marL="0" lvl="0" indent="0" algn="l" rtl="0">
+              <a:spcBef>
+                <a:spcPts val="1200"/>
+              </a:spcBef>
+              <a:spcAft>
+                <a:spcPts val="0"/>
+              </a:spcAft>
+              <a:buNone/>
+            </a:pPr>
+            <a:r>
+              <a:rPr lang="en" sz="1400">
+                <a:latin typeface="Times New Roman"/>
+                <a:ea typeface="Times New Roman"/>
+                <a:cs typeface="Times New Roman"/>
+                <a:sym typeface="Times New Roman"/>
+              </a:rPr>
+              <a:t>- </a:t>
+            </a:r>
+            <a:r>
+              <a:rPr lang="en" sz="1400" b="1">
+                <a:latin typeface="Times New Roman"/>
+                <a:ea typeface="Times New Roman"/>
+                <a:cs typeface="Times New Roman"/>
+                <a:sym typeface="Times New Roman"/>
+              </a:rPr>
+              <a:t>valid_generator: </a:t>
+            </a:r>
+            <a:r>
+              <a:rPr lang="en" sz="1400">
+                <a:latin typeface="Times New Roman"/>
+                <a:ea typeface="Times New Roman"/>
+                <a:cs typeface="Times New Roman"/>
+                <a:sym typeface="Times New Roman"/>
+              </a:rPr>
+              <a:t>A zip object that pairs the images and their corresponding masks, useful for model validation.</a:t>
+            </a:r>
+            <a:endParaRPr sz="1400">
+              <a:latin typeface="Times New Roman"/>
+              <a:ea typeface="Times New Roman"/>
+              <a:cs typeface="Times New Roman"/>
+              <a:sym typeface="Times New Roman"/>
+            </a:endParaRPr>
+          </a:p>
+          <a:p>
+            <a:pPr marL="0" lvl="0" indent="0" algn="l" rtl="0">
+              <a:spcBef>
+                <a:spcPts val="1200"/>
+              </a:spcBef>
+              <a:spcAft>
+                <a:spcPts val="1200"/>
+              </a:spcAft>
+              <a:buNone/>
+            </a:pPr>
+            <a:endParaRPr sz="1400">
+              <a:latin typeface="Times New Roman"/>
+              <a:ea typeface="Times New Roman"/>
+              <a:cs typeface="Times New Roman"/>
+              <a:sym typeface="Times New Roman"/>
+            </a:endParaRPr>
+          </a:p>
+        </p:txBody>
+      </p:sp>
+      <p:pic>
+        <p:nvPicPr>
+          <p:cNvPr id="148" name="Google Shape;148;p22"/>
+          <p:cNvPicPr preferRelativeResize="0"/>
+          <p:nvPr/>
+        </p:nvPicPr>
+        <p:blipFill>
+          <a:blip r:embed="rId3">
+            <a:alphaModFix/>
+          </a:blip>
+          <a:stretch>
+            <a:fillRect/>
+          </a:stretch>
+        </p:blipFill>
+        <p:spPr>
+          <a:xfrm>
+            <a:off x="5121750" y="2006250"/>
+            <a:ext cx="3869850" cy="2521597"/>
+          </a:xfrm>
+          <a:prstGeom prst="rect">
+            <a:avLst/>
+          </a:prstGeom>
+          <a:noFill/>
+          <a:ln>
+            <a:noFill/>
+          </a:ln>
+        </p:spPr>
+      </p:pic>
+    </p:spTree>
+  </p:cSld>
+  <p:clrMapOvr>
+    <a:masterClrMapping/>
+  </p:clrMapOvr>
+</p:sld>
+</file>
+
+<file path=ppt/slides/slide11.xml><?xml version="1.0" encoding="utf-8"?>
+<p:sld xmlns:a="http://schemas.openxmlformats.org/drawingml/2006/main" xmlns:r="http://schemas.openxmlformats.org/officeDocument/2006/relationships" xmlns:p="http://schemas.openxmlformats.org/presentationml/2006/main">
+  <p:cSld>
+    <p:spTree>
+      <p:nvGrpSpPr>
+        <p:cNvPr id="1" name="Shape 152"/>
+        <p:cNvGrpSpPr/>
+        <p:nvPr/>
+      </p:nvGrpSpPr>
+      <p:grpSpPr>
+        <a:xfrm>
+          <a:off x="0" y="0"/>
+          <a:ext cx="0" cy="0"/>
+          <a:chOff x="0" y="0"/>
+          <a:chExt cx="0" cy="0"/>
+        </a:xfrm>
+      </p:grpSpPr>
+      <p:sp>
+        <p:nvSpPr>
+          <p:cNvPr id="153" name="Google Shape;153;p23"/>
+          <p:cNvSpPr txBox="1">
+            <a:spLocks noGrp="1"/>
+          </p:cNvSpPr>
+          <p:nvPr>
+            <p:ph type="title"/>
+          </p:nvPr>
+        </p:nvSpPr>
+        <p:spPr>
+          <a:xfrm>
+            <a:off x="729450" y="1318650"/>
+            <a:ext cx="7688700" cy="535200"/>
+          </a:xfrm>
+          <a:prstGeom prst="rect">
+            <a:avLst/>
+          </a:prstGeom>
+        </p:spPr>
+        <p:txBody>
+          <a:bodyPr spcFirstLastPara="1" wrap="square" lIns="91425" tIns="91425" rIns="91425" bIns="91425" anchor="t" anchorCtr="0">
+            <a:normAutofit fontScale="90000"/>
+          </a:bodyPr>
+          <a:lstStyle/>
+          <a:p>
+            <a:pPr marL="0" lvl="0" indent="0" algn="l" rtl="0">
+              <a:spcBef>
+                <a:spcPts val="0"/>
+              </a:spcBef>
+              <a:spcAft>
+                <a:spcPts val="0"/>
+              </a:spcAft>
+              <a:buNone/>
+            </a:pPr>
+            <a:r>
+              <a:rPr lang="en"/>
+              <a:t>Visualizing a Randomly Selected Image and Mask</a:t>
+            </a:r>
+            <a:endParaRPr/>
+          </a:p>
+        </p:txBody>
+      </p:sp>
+      <p:sp>
+        <p:nvSpPr>
+          <p:cNvPr id="154" name="Google Shape;154;p23"/>
+          <p:cNvSpPr txBox="1">
+            <a:spLocks noGrp="1"/>
+          </p:cNvSpPr>
+          <p:nvPr>
+            <p:ph type="body" idx="1"/>
+          </p:nvPr>
+        </p:nvSpPr>
+        <p:spPr>
+          <a:xfrm>
+            <a:off x="729450" y="2078875"/>
+            <a:ext cx="4494000" cy="2861400"/>
+          </a:xfrm>
+          <a:prstGeom prst="rect">
+            <a:avLst/>
+          </a:prstGeom>
+        </p:spPr>
+        <p:txBody>
+          <a:bodyPr spcFirstLastPara="1" wrap="square" lIns="91425" tIns="91425" rIns="91425" bIns="91425" anchor="t" anchorCtr="0">
+            <a:noAutofit/>
+          </a:bodyPr>
+          <a:lstStyle/>
+          <a:p>
+            <a:pPr marL="0" lvl="0" indent="0" algn="l" rtl="0">
+              <a:lnSpc>
+                <a:spcPct val="95000"/>
+              </a:lnSpc>
+              <a:spcBef>
+                <a:spcPts val="1200"/>
+              </a:spcBef>
+              <a:spcAft>
+                <a:spcPts val="0"/>
+              </a:spcAft>
+              <a:buNone/>
+            </a:pPr>
+            <a:r>
+              <a:rPr lang="en" sz="1400">
+                <a:latin typeface="Times New Roman"/>
+                <a:ea typeface="Times New Roman"/>
+                <a:cs typeface="Times New Roman"/>
+                <a:sym typeface="Times New Roman"/>
+              </a:rPr>
+              <a:t>- </a:t>
+            </a:r>
+            <a:r>
+              <a:rPr lang="en" sz="1400" b="1">
+                <a:latin typeface="Times New Roman"/>
+                <a:ea typeface="Times New Roman"/>
+                <a:cs typeface="Times New Roman"/>
+                <a:sym typeface="Times New Roman"/>
+              </a:rPr>
+              <a:t>plt.subplot(1, 2, 1):</a:t>
+            </a:r>
+            <a:r>
+              <a:rPr lang="en" sz="1400">
+                <a:latin typeface="Times New Roman"/>
+                <a:ea typeface="Times New Roman"/>
+                <a:cs typeface="Times New Roman"/>
+                <a:sym typeface="Times New Roman"/>
+              </a:rPr>
+              <a:t> Sets up the subplot for displaying the image on the left.</a:t>
+            </a:r>
+            <a:endParaRPr sz="1400">
+              <a:latin typeface="Times New Roman"/>
+              <a:ea typeface="Times New Roman"/>
+              <a:cs typeface="Times New Roman"/>
+              <a:sym typeface="Times New Roman"/>
+            </a:endParaRPr>
+          </a:p>
+          <a:p>
+            <a:pPr marL="0" lvl="0" indent="0" algn="l" rtl="0">
+              <a:lnSpc>
+                <a:spcPct val="95000"/>
+              </a:lnSpc>
+              <a:spcBef>
+                <a:spcPts val="1200"/>
+              </a:spcBef>
+              <a:spcAft>
+                <a:spcPts val="0"/>
+              </a:spcAft>
+              <a:buNone/>
+            </a:pPr>
+            <a:r>
+              <a:rPr lang="en" sz="1400">
+                <a:latin typeface="Times New Roman"/>
+                <a:ea typeface="Times New Roman"/>
+                <a:cs typeface="Times New Roman"/>
+                <a:sym typeface="Times New Roman"/>
+              </a:rPr>
+              <a:t>- </a:t>
+            </a:r>
+            <a:r>
+              <a:rPr lang="en" sz="1400" b="1">
+                <a:latin typeface="Times New Roman"/>
+                <a:ea typeface="Times New Roman"/>
+                <a:cs typeface="Times New Roman"/>
+                <a:sym typeface="Times New Roman"/>
+              </a:rPr>
+              <a:t>plt.subplot(1, 2, 2):</a:t>
+            </a:r>
+            <a:r>
+              <a:rPr lang="en" sz="1400">
+                <a:latin typeface="Times New Roman"/>
+                <a:ea typeface="Times New Roman"/>
+                <a:cs typeface="Times New Roman"/>
+                <a:sym typeface="Times New Roman"/>
+              </a:rPr>
+              <a:t> Sets up the subplot for displaying the mask on the right.</a:t>
+            </a:r>
+            <a:endParaRPr sz="1400">
+              <a:latin typeface="Times New Roman"/>
+              <a:ea typeface="Times New Roman"/>
+              <a:cs typeface="Times New Roman"/>
+              <a:sym typeface="Times New Roman"/>
+            </a:endParaRPr>
+          </a:p>
+          <a:p>
+            <a:pPr marL="0" lvl="0" indent="0" algn="l" rtl="0">
+              <a:lnSpc>
+                <a:spcPct val="95000"/>
+              </a:lnSpc>
+              <a:spcBef>
+                <a:spcPts val="1200"/>
+              </a:spcBef>
+              <a:spcAft>
+                <a:spcPts val="0"/>
+              </a:spcAft>
+              <a:buNone/>
+            </a:pPr>
+            <a:r>
+              <a:rPr lang="en" sz="1400">
+                <a:latin typeface="Times New Roman"/>
+                <a:ea typeface="Times New Roman"/>
+                <a:cs typeface="Times New Roman"/>
+                <a:sym typeface="Times New Roman"/>
+              </a:rPr>
+              <a:t>- </a:t>
+            </a:r>
+            <a:r>
+              <a:rPr lang="en" sz="1400" b="1">
+                <a:latin typeface="Times New Roman"/>
+                <a:ea typeface="Times New Roman"/>
+                <a:cs typeface="Times New Roman"/>
+                <a:sym typeface="Times New Roman"/>
+              </a:rPr>
+              <a:t>plt.imshow(np.squeeze(img)):</a:t>
+            </a:r>
+            <a:r>
+              <a:rPr lang="en" sz="1400">
+                <a:latin typeface="Times New Roman"/>
+                <a:ea typeface="Times New Roman"/>
+                <a:cs typeface="Times New Roman"/>
+                <a:sym typeface="Times New Roman"/>
+              </a:rPr>
+              <a:t> Visualizes the randomly selected image by removing extra dimensions.</a:t>
+            </a:r>
+            <a:endParaRPr sz="1400">
+              <a:latin typeface="Times New Roman"/>
+              <a:ea typeface="Times New Roman"/>
+              <a:cs typeface="Times New Roman"/>
+              <a:sym typeface="Times New Roman"/>
+            </a:endParaRPr>
+          </a:p>
+          <a:p>
+            <a:pPr marL="0" lvl="0" indent="0" algn="l" rtl="0">
+              <a:lnSpc>
+                <a:spcPct val="95000"/>
+              </a:lnSpc>
+              <a:spcBef>
+                <a:spcPts val="1200"/>
+              </a:spcBef>
+              <a:spcAft>
+                <a:spcPts val="0"/>
+              </a:spcAft>
+              <a:buNone/>
+            </a:pPr>
+            <a:r>
+              <a:rPr lang="en" sz="1400">
+                <a:latin typeface="Times New Roman"/>
+                <a:ea typeface="Times New Roman"/>
+                <a:cs typeface="Times New Roman"/>
+                <a:sym typeface="Times New Roman"/>
+              </a:rPr>
+              <a:t>- </a:t>
+            </a:r>
+            <a:r>
+              <a:rPr lang="en" sz="1400" b="1">
+                <a:latin typeface="Times New Roman"/>
+                <a:ea typeface="Times New Roman"/>
+                <a:cs typeface="Times New Roman"/>
+                <a:sym typeface="Times New Roman"/>
+              </a:rPr>
+              <a:t>plt.imshow(np.squeeze(mask)):</a:t>
+            </a:r>
+            <a:r>
+              <a:rPr lang="en" sz="1400">
+                <a:latin typeface="Times New Roman"/>
+                <a:ea typeface="Times New Roman"/>
+                <a:cs typeface="Times New Roman"/>
+                <a:sym typeface="Times New Roman"/>
+              </a:rPr>
+              <a:t> Visualizes the corresponding mask.</a:t>
+            </a:r>
+            <a:endParaRPr sz="1400">
+              <a:latin typeface="Times New Roman"/>
+              <a:ea typeface="Times New Roman"/>
+              <a:cs typeface="Times New Roman"/>
+              <a:sym typeface="Times New Roman"/>
+            </a:endParaRPr>
+          </a:p>
+          <a:p>
+            <a:pPr marL="0" lvl="0" indent="0" algn="l" rtl="0">
+              <a:lnSpc>
+                <a:spcPct val="95000"/>
+              </a:lnSpc>
+              <a:spcBef>
+                <a:spcPts val="1200"/>
+              </a:spcBef>
+              <a:spcAft>
+                <a:spcPts val="0"/>
+              </a:spcAft>
+              <a:buNone/>
+            </a:pPr>
+            <a:r>
+              <a:rPr lang="en" sz="1400">
+                <a:latin typeface="Times New Roman"/>
+                <a:ea typeface="Times New Roman"/>
+                <a:cs typeface="Times New Roman"/>
+                <a:sym typeface="Times New Roman"/>
+              </a:rPr>
+              <a:t>- </a:t>
+            </a:r>
+            <a:r>
+              <a:rPr lang="en" sz="1400" b="1">
+                <a:latin typeface="Times New Roman"/>
+                <a:ea typeface="Times New Roman"/>
+                <a:cs typeface="Times New Roman"/>
+                <a:sym typeface="Times New Roman"/>
+              </a:rPr>
+              <a:t>plt.show():</a:t>
+            </a:r>
+            <a:r>
+              <a:rPr lang="en" sz="1400">
+                <a:latin typeface="Times New Roman"/>
+                <a:ea typeface="Times New Roman"/>
+                <a:cs typeface="Times New Roman"/>
+                <a:sym typeface="Times New Roman"/>
+              </a:rPr>
+              <a:t> Displays the images side-by-side.</a:t>
+            </a:r>
+            <a:endParaRPr sz="1400">
+              <a:latin typeface="Times New Roman"/>
+              <a:ea typeface="Times New Roman"/>
+              <a:cs typeface="Times New Roman"/>
+              <a:sym typeface="Times New Roman"/>
+            </a:endParaRPr>
+          </a:p>
+          <a:p>
+            <a:pPr marL="0" lvl="0" indent="0" algn="l" rtl="0">
+              <a:lnSpc>
+                <a:spcPct val="95000"/>
+              </a:lnSpc>
+              <a:spcBef>
+                <a:spcPts val="1200"/>
+              </a:spcBef>
+              <a:spcAft>
+                <a:spcPts val="1200"/>
+              </a:spcAft>
+              <a:buNone/>
+            </a:pPr>
+            <a:endParaRPr sz="1400">
+              <a:latin typeface="Times New Roman"/>
+              <a:ea typeface="Times New Roman"/>
+              <a:cs typeface="Times New Roman"/>
+              <a:sym typeface="Times New Roman"/>
+            </a:endParaRPr>
+          </a:p>
+        </p:txBody>
+      </p:sp>
+      <p:pic>
+        <p:nvPicPr>
+          <p:cNvPr id="155" name="Google Shape;155;p23"/>
+          <p:cNvPicPr preferRelativeResize="0"/>
+          <p:nvPr/>
+        </p:nvPicPr>
+        <p:blipFill>
+          <a:blip r:embed="rId3">
+            <a:alphaModFix/>
+          </a:blip>
+          <a:stretch>
+            <a:fillRect/>
+          </a:stretch>
+        </p:blipFill>
+        <p:spPr>
+          <a:xfrm>
+            <a:off x="5223300" y="2031350"/>
+            <a:ext cx="3848151" cy="1013850"/>
+          </a:xfrm>
+          <a:prstGeom prst="rect">
+            <a:avLst/>
+          </a:prstGeom>
+          <a:noFill/>
+          <a:ln>
+            <a:noFill/>
+          </a:ln>
+        </p:spPr>
+      </p:pic>
+      <p:pic>
+        <p:nvPicPr>
+          <p:cNvPr id="156" name="Google Shape;156;p23"/>
+          <p:cNvPicPr preferRelativeResize="0"/>
+          <p:nvPr/>
+        </p:nvPicPr>
+        <p:blipFill>
+          <a:blip r:embed="rId4">
+            <a:alphaModFix/>
+          </a:blip>
+          <a:stretch>
+            <a:fillRect/>
+          </a:stretch>
+        </p:blipFill>
+        <p:spPr>
+          <a:xfrm>
+            <a:off x="5619375" y="3124988"/>
+            <a:ext cx="2533650" cy="1666875"/>
+          </a:xfrm>
+          <a:prstGeom prst="rect">
+            <a:avLst/>
+          </a:prstGeom>
+          <a:noFill/>
+          <a:ln>
+            <a:noFill/>
+          </a:ln>
+        </p:spPr>
+      </p:pic>
+    </p:spTree>
+  </p:cSld>
+  <p:clrMapOvr>
+    <a:masterClrMapping/>
+  </p:clrMapOvr>
+</p:sld>
+</file>
+
+<file path=ppt/slides/slide2.xml><?xml version="1.0" encoding="utf-8"?>
+<p:sld xmlns:a="http://schemas.openxmlformats.org/drawingml/2006/main" xmlns:r="http://schemas.openxmlformats.org/officeDocument/2006/relationships" xmlns:p="http://schemas.openxmlformats.org/presentationml/2006/main">
+  <p:cSld>
+    <p:spTree>
+      <p:nvGrpSpPr>
+        <p:cNvPr id="1" name="Shape 93"/>
+        <p:cNvGrpSpPr/>
+        <p:nvPr/>
+      </p:nvGrpSpPr>
+      <p:grpSpPr>
+        <a:xfrm>
+          <a:off x="0" y="0"/>
+          <a:ext cx="0" cy="0"/>
+          <a:chOff x="0" y="0"/>
+          <a:chExt cx="0" cy="0"/>
+        </a:xfrm>
+      </p:grpSpPr>
+      <p:sp>
+        <p:nvSpPr>
+          <p:cNvPr id="94" name="Google Shape;94;p14"/>
+          <p:cNvSpPr txBox="1">
+            <a:spLocks noGrp="1"/>
+          </p:cNvSpPr>
+          <p:nvPr>
+            <p:ph type="title"/>
+          </p:nvPr>
+        </p:nvSpPr>
+        <p:spPr>
+          <a:xfrm>
+            <a:off x="729450" y="1318650"/>
+            <a:ext cx="7688700" cy="535200"/>
+          </a:xfrm>
+          <a:prstGeom prst="rect">
+            <a:avLst/>
+          </a:prstGeom>
+        </p:spPr>
+        <p:txBody>
+          <a:bodyPr spcFirstLastPara="1" wrap="square" lIns="91425" tIns="91425" rIns="91425" bIns="91425" anchor="t" anchorCtr="0">
+            <a:normAutofit fontScale="90000"/>
+          </a:bodyPr>
+          <a:lstStyle/>
+          <a:p>
+            <a:pPr marL="0" lvl="0" indent="0" algn="l" rtl="0">
+              <a:spcBef>
+                <a:spcPts val="0"/>
+              </a:spcBef>
+              <a:spcAft>
+                <a:spcPts val="0"/>
+              </a:spcAft>
+              <a:buNone/>
+            </a:pPr>
+            <a:r>
+              <a:rPr lang="en"/>
               <a:t>Project Idea </a:t>
             </a:r>
             <a:endParaRPr/>
@@ -8042,7 +9407,7 @@
       </p:sp>
       <p:sp>
         <p:nvSpPr>
-          <p:cNvPr id="96" name="Google Shape;96;p14"/>
+          <p:cNvPr id="95" name="Google Shape;95;p14"/>
           <p:cNvSpPr txBox="1">
             <a:spLocks noGrp="1"/>
           </p:cNvSpPr>
@@ -8061,7 +9426,7 @@
         </p:spPr>
         <p:txBody>
           <a:bodyPr spcFirstLastPara="1" wrap="square" lIns="91425" tIns="91425" rIns="91425" bIns="91425" anchor="t" anchorCtr="0">
-            <a:normAutofit lnSpcReduction="20000"/>
+            <a:normAutofit/>
           </a:bodyPr>
           <a:lstStyle/>
           <a:p>
@@ -8145,7 +9510,7 @@
   <p:cSld>
     <p:spTree>
       <p:nvGrpSpPr>
-        <p:cNvPr id="1" name="Shape 100"/>
+        <p:cNvPr id="1" name="Shape 99"/>
         <p:cNvGrpSpPr/>
         <p:nvPr/>
       </p:nvGrpSpPr>
@@ -8159,7 +9524,7 @@
       </p:grpSpPr>
       <p:sp>
         <p:nvSpPr>
-          <p:cNvPr id="101" name="Google Shape;101;p15"/>
+          <p:cNvPr id="100" name="Google Shape;100;p15"/>
           <p:cNvSpPr txBox="1">
             <a:spLocks noGrp="1"/>
           </p:cNvSpPr>
@@ -8201,7 +9566,7 @@
       </p:sp>
       <p:sp>
         <p:nvSpPr>
-          <p:cNvPr id="102" name="Google Shape;102;p15"/>
+          <p:cNvPr id="101" name="Google Shape;101;p15"/>
           <p:cNvSpPr txBox="1">
             <a:spLocks noGrp="1"/>
           </p:cNvSpPr>
@@ -8414,7 +9779,7 @@
   <p:cSld>
     <p:spTree>
       <p:nvGrpSpPr>
-        <p:cNvPr id="1" name="Shape 106"/>
+        <p:cNvPr id="1" name="Shape 105"/>
         <p:cNvGrpSpPr/>
         <p:nvPr/>
       </p:nvGrpSpPr>
@@ -8428,7 +9793,7 @@
       </p:grpSpPr>
       <p:sp>
         <p:nvSpPr>
-          <p:cNvPr id="107" name="Google Shape;107;p16"/>
+          <p:cNvPr id="106" name="Google Shape;106;p16"/>
           <p:cNvSpPr txBox="1">
             <a:spLocks noGrp="1"/>
           </p:cNvSpPr>
@@ -8470,7 +9835,7 @@
       </p:sp>
       <p:sp>
         <p:nvSpPr>
-          <p:cNvPr id="108" name="Google Shape;108;p16"/>
+          <p:cNvPr id="107" name="Google Shape;107;p16"/>
           <p:cNvSpPr txBox="1">
             <a:spLocks noGrp="1"/>
           </p:cNvSpPr>
@@ -8489,7 +9854,7 @@
         </p:spPr>
         <p:txBody>
           <a:bodyPr spcFirstLastPara="1" wrap="square" lIns="91425" tIns="91425" rIns="91425" bIns="91425" anchor="t" anchorCtr="0">
-            <a:normAutofit lnSpcReduction="20000"/>
+            <a:normAutofit/>
           </a:bodyPr>
           <a:lstStyle/>
           <a:p>
@@ -8630,6 +9995,1360 @@
           </a:p>
         </p:txBody>
       </p:sp>
+    </p:spTree>
+  </p:cSld>
+  <p:clrMapOvr>
+    <a:masterClrMapping/>
+  </p:clrMapOvr>
+</p:sld>
+</file>
+
+<file path=ppt/slides/slide5.xml><?xml version="1.0" encoding="utf-8"?>
+<p:sld xmlns:a="http://schemas.openxmlformats.org/drawingml/2006/main" xmlns:r="http://schemas.openxmlformats.org/officeDocument/2006/relationships" xmlns:p="http://schemas.openxmlformats.org/presentationml/2006/main">
+  <p:cSld>
+    <p:spTree>
+      <p:nvGrpSpPr>
+        <p:cNvPr id="1" name="Shape 111"/>
+        <p:cNvGrpSpPr/>
+        <p:nvPr/>
+      </p:nvGrpSpPr>
+      <p:grpSpPr>
+        <a:xfrm>
+          <a:off x="0" y="0"/>
+          <a:ext cx="0" cy="0"/>
+          <a:chOff x="0" y="0"/>
+          <a:chExt cx="0" cy="0"/>
+        </a:xfrm>
+      </p:grpSpPr>
+      <p:sp>
+        <p:nvSpPr>
+          <p:cNvPr id="112" name="Google Shape;112;p17"/>
+          <p:cNvSpPr txBox="1">
+            <a:spLocks noGrp="1"/>
+          </p:cNvSpPr>
+          <p:nvPr>
+            <p:ph type="title"/>
+          </p:nvPr>
+        </p:nvSpPr>
+        <p:spPr>
+          <a:xfrm>
+            <a:off x="729450" y="1318650"/>
+            <a:ext cx="7688700" cy="535200"/>
+          </a:xfrm>
+          <a:prstGeom prst="rect">
+            <a:avLst/>
+          </a:prstGeom>
+        </p:spPr>
+        <p:txBody>
+          <a:bodyPr spcFirstLastPara="1" wrap="square" lIns="91425" tIns="91425" rIns="91425" bIns="91425" anchor="t" anchorCtr="0">
+            <a:normAutofit fontScale="90000"/>
+          </a:bodyPr>
+          <a:lstStyle/>
+          <a:p>
+            <a:pPr marL="0" lvl="0" indent="0" algn="l" rtl="0">
+              <a:spcBef>
+                <a:spcPts val="0"/>
+              </a:spcBef>
+              <a:spcAft>
+                <a:spcPts val="0"/>
+              </a:spcAft>
+              <a:buNone/>
+            </a:pPr>
+            <a:r>
+              <a:rPr lang="en"/>
+              <a:t>Unet Architecture</a:t>
+            </a:r>
+            <a:endParaRPr/>
+          </a:p>
+        </p:txBody>
+      </p:sp>
+      <p:sp>
+        <p:nvSpPr>
+          <p:cNvPr id="113" name="Google Shape;113;p17"/>
+          <p:cNvSpPr txBox="1">
+            <a:spLocks noGrp="1"/>
+          </p:cNvSpPr>
+          <p:nvPr>
+            <p:ph type="body" idx="1"/>
+          </p:nvPr>
+        </p:nvSpPr>
+        <p:spPr>
+          <a:xfrm>
+            <a:off x="729450" y="2078875"/>
+            <a:ext cx="3485400" cy="2261100"/>
+          </a:xfrm>
+          <a:prstGeom prst="rect">
+            <a:avLst/>
+          </a:prstGeom>
+        </p:spPr>
+        <p:txBody>
+          <a:bodyPr spcFirstLastPara="1" wrap="square" lIns="91425" tIns="91425" rIns="91425" bIns="91425" anchor="t" anchorCtr="0">
+            <a:normAutofit/>
+          </a:bodyPr>
+          <a:lstStyle/>
+          <a:p>
+            <a:pPr marL="0" lvl="0" indent="0" algn="l" rtl="0">
+              <a:spcBef>
+                <a:spcPts val="0"/>
+              </a:spcBef>
+              <a:spcAft>
+                <a:spcPts val="1200"/>
+              </a:spcAft>
+              <a:buNone/>
+            </a:pPr>
+            <a:r>
+              <a:rPr lang="en" sz="1400">
+                <a:latin typeface="Times New Roman"/>
+                <a:ea typeface="Times New Roman"/>
+                <a:cs typeface="Times New Roman"/>
+                <a:sym typeface="Times New Roman"/>
+              </a:rPr>
+              <a:t>U-net was originally invented and first used for image segmentation. Its architecture can be broadly thought of as an encoder network followed by a decoder network.</a:t>
+            </a:r>
+            <a:endParaRPr sz="1400">
+              <a:latin typeface="Times New Roman"/>
+              <a:ea typeface="Times New Roman"/>
+              <a:cs typeface="Times New Roman"/>
+              <a:sym typeface="Times New Roman"/>
+            </a:endParaRPr>
+          </a:p>
+        </p:txBody>
+      </p:sp>
+      <p:pic>
+        <p:nvPicPr>
+          <p:cNvPr id="114" name="Google Shape;114;p17"/>
+          <p:cNvPicPr preferRelativeResize="0"/>
+          <p:nvPr/>
+        </p:nvPicPr>
+        <p:blipFill>
+          <a:blip r:embed="rId3">
+            <a:alphaModFix/>
+          </a:blip>
+          <a:stretch>
+            <a:fillRect/>
+          </a:stretch>
+        </p:blipFill>
+        <p:spPr>
+          <a:xfrm>
+            <a:off x="4214925" y="645650"/>
+            <a:ext cx="4929074" cy="4497851"/>
+          </a:xfrm>
+          <a:prstGeom prst="rect">
+            <a:avLst/>
+          </a:prstGeom>
+          <a:noFill/>
+          <a:ln>
+            <a:noFill/>
+          </a:ln>
+        </p:spPr>
+      </p:pic>
+    </p:spTree>
+  </p:cSld>
+  <p:clrMapOvr>
+    <a:masterClrMapping/>
+  </p:clrMapOvr>
+</p:sld>
+</file>
+
+<file path=ppt/slides/slide6.xml><?xml version="1.0" encoding="utf-8"?>
+<p:sld xmlns:a="http://schemas.openxmlformats.org/drawingml/2006/main" xmlns:r="http://schemas.openxmlformats.org/officeDocument/2006/relationships" xmlns:p="http://schemas.openxmlformats.org/presentationml/2006/main">
+  <p:cSld>
+    <p:spTree>
+      <p:nvGrpSpPr>
+        <p:cNvPr id="1" name="Shape 118"/>
+        <p:cNvGrpSpPr/>
+        <p:nvPr/>
+      </p:nvGrpSpPr>
+      <p:grpSpPr>
+        <a:xfrm>
+          <a:off x="0" y="0"/>
+          <a:ext cx="0" cy="0"/>
+          <a:chOff x="0" y="0"/>
+          <a:chExt cx="0" cy="0"/>
+        </a:xfrm>
+      </p:grpSpPr>
+      <p:sp>
+        <p:nvSpPr>
+          <p:cNvPr id="119" name="Google Shape;119;p18"/>
+          <p:cNvSpPr txBox="1">
+            <a:spLocks noGrp="1"/>
+          </p:cNvSpPr>
+          <p:nvPr>
+            <p:ph type="title"/>
+          </p:nvPr>
+        </p:nvSpPr>
+        <p:spPr>
+          <a:xfrm>
+            <a:off x="729450" y="1318650"/>
+            <a:ext cx="7688700" cy="535200"/>
+          </a:xfrm>
+          <a:prstGeom prst="rect">
+            <a:avLst/>
+          </a:prstGeom>
+        </p:spPr>
+        <p:txBody>
+          <a:bodyPr spcFirstLastPara="1" wrap="square" lIns="91425" tIns="91425" rIns="91425" bIns="91425" anchor="t" anchorCtr="0">
+            <a:normAutofit fontScale="90000"/>
+          </a:bodyPr>
+          <a:lstStyle/>
+          <a:p>
+            <a:pPr marL="0" lvl="0" indent="0" algn="l" rtl="0">
+              <a:spcBef>
+                <a:spcPts val="0"/>
+              </a:spcBef>
+              <a:spcAft>
+                <a:spcPts val="0"/>
+              </a:spcAft>
+              <a:buNone/>
+            </a:pPr>
+            <a:r>
+              <a:rPr lang="en"/>
+              <a:t>What is the Unet Architecture</a:t>
+            </a:r>
+            <a:endParaRPr/>
+          </a:p>
+          <a:p>
+            <a:pPr marL="0" lvl="0" indent="0" algn="l" rtl="0">
+              <a:spcBef>
+                <a:spcPts val="0"/>
+              </a:spcBef>
+              <a:spcAft>
+                <a:spcPts val="0"/>
+              </a:spcAft>
+              <a:buNone/>
+            </a:pPr>
+            <a:endParaRPr/>
+          </a:p>
+        </p:txBody>
+      </p:sp>
+      <p:sp>
+        <p:nvSpPr>
+          <p:cNvPr id="120" name="Google Shape;120;p18"/>
+          <p:cNvSpPr txBox="1">
+            <a:spLocks noGrp="1"/>
+          </p:cNvSpPr>
+          <p:nvPr>
+            <p:ph type="body" idx="1"/>
+          </p:nvPr>
+        </p:nvSpPr>
+        <p:spPr>
+          <a:xfrm>
+            <a:off x="729450" y="2078875"/>
+            <a:ext cx="7688700" cy="2261100"/>
+          </a:xfrm>
+          <a:prstGeom prst="rect">
+            <a:avLst/>
+          </a:prstGeom>
+        </p:spPr>
+        <p:txBody>
+          <a:bodyPr spcFirstLastPara="1" wrap="square" lIns="91425" tIns="91425" rIns="91425" bIns="91425" anchor="t" anchorCtr="0">
+            <a:normAutofit/>
+          </a:bodyPr>
+          <a:lstStyle/>
+          <a:p>
+            <a:pPr marL="0" lvl="0" indent="0" algn="l" rtl="0">
+              <a:spcBef>
+                <a:spcPts val="0"/>
+              </a:spcBef>
+              <a:spcAft>
+                <a:spcPts val="1200"/>
+              </a:spcAft>
+              <a:buNone/>
+            </a:pPr>
+            <a:endParaRPr/>
+          </a:p>
+        </p:txBody>
+      </p:sp>
+    </p:spTree>
+  </p:cSld>
+  <p:clrMapOvr>
+    <a:masterClrMapping/>
+  </p:clrMapOvr>
+</p:sld>
+</file>
+
+<file path=ppt/slides/slide7.xml><?xml version="1.0" encoding="utf-8"?>
+<p:sld xmlns:a="http://schemas.openxmlformats.org/drawingml/2006/main" xmlns:r="http://schemas.openxmlformats.org/officeDocument/2006/relationships" xmlns:p="http://schemas.openxmlformats.org/presentationml/2006/main">
+  <p:cSld>
+    <p:spTree>
+      <p:nvGrpSpPr>
+        <p:cNvPr id="1" name="Shape 124"/>
+        <p:cNvGrpSpPr/>
+        <p:nvPr/>
+      </p:nvGrpSpPr>
+      <p:grpSpPr>
+        <a:xfrm>
+          <a:off x="0" y="0"/>
+          <a:ext cx="0" cy="0"/>
+          <a:chOff x="0" y="0"/>
+          <a:chExt cx="0" cy="0"/>
+        </a:xfrm>
+      </p:grpSpPr>
+      <p:sp>
+        <p:nvSpPr>
+          <p:cNvPr id="125" name="Google Shape;125;p19"/>
+          <p:cNvSpPr txBox="1">
+            <a:spLocks noGrp="1"/>
+          </p:cNvSpPr>
+          <p:nvPr>
+            <p:ph type="title"/>
+          </p:nvPr>
+        </p:nvSpPr>
+        <p:spPr>
+          <a:xfrm>
+            <a:off x="729450" y="1318650"/>
+            <a:ext cx="7688700" cy="535200"/>
+          </a:xfrm>
+          <a:prstGeom prst="rect">
+            <a:avLst/>
+          </a:prstGeom>
+        </p:spPr>
+        <p:txBody>
+          <a:bodyPr spcFirstLastPara="1" wrap="square" lIns="91425" tIns="91425" rIns="91425" bIns="91425" anchor="t" anchorCtr="0">
+            <a:normAutofit fontScale="90000"/>
+          </a:bodyPr>
+          <a:lstStyle/>
+          <a:p>
+            <a:pPr marL="0" lvl="0" indent="0" algn="l" rtl="0">
+              <a:spcBef>
+                <a:spcPts val="0"/>
+              </a:spcBef>
+              <a:spcAft>
+                <a:spcPts val="0"/>
+              </a:spcAft>
+              <a:buNone/>
+            </a:pPr>
+            <a:r>
+              <a:rPr lang="en"/>
+              <a:t>Data Clean</a:t>
+            </a:r>
+            <a:endParaRPr/>
+          </a:p>
+        </p:txBody>
+      </p:sp>
+      <p:sp>
+        <p:nvSpPr>
+          <p:cNvPr id="126" name="Google Shape;126;p19"/>
+          <p:cNvSpPr txBox="1">
+            <a:spLocks noGrp="1"/>
+          </p:cNvSpPr>
+          <p:nvPr>
+            <p:ph type="body" idx="1"/>
+          </p:nvPr>
+        </p:nvSpPr>
+        <p:spPr>
+          <a:xfrm>
+            <a:off x="678650" y="1853850"/>
+            <a:ext cx="5175900" cy="3015600"/>
+          </a:xfrm>
+          <a:prstGeom prst="rect">
+            <a:avLst/>
+          </a:prstGeom>
+        </p:spPr>
+        <p:txBody>
+          <a:bodyPr spcFirstLastPara="1" wrap="square" lIns="91425" tIns="91425" rIns="91425" bIns="91425" anchor="t" anchorCtr="0">
+            <a:noAutofit/>
+          </a:bodyPr>
+          <a:lstStyle/>
+          <a:p>
+            <a:pPr marL="0" lvl="0" indent="0" algn="l" rtl="0">
+              <a:spcBef>
+                <a:spcPts val="0"/>
+              </a:spcBef>
+              <a:spcAft>
+                <a:spcPts val="0"/>
+              </a:spcAft>
+              <a:buSzPts val="935"/>
+              <a:buNone/>
+            </a:pPr>
+            <a:r>
+              <a:rPr lang="en" sz="1405" b="1">
+                <a:latin typeface="Times New Roman"/>
+                <a:ea typeface="Times New Roman"/>
+                <a:cs typeface="Times New Roman"/>
+                <a:sym typeface="Times New Roman"/>
+              </a:rPr>
+              <a:t>Importing the Required Libraries - </a:t>
+            </a:r>
+            <a:endParaRPr sz="1405" b="1">
+              <a:latin typeface="Times New Roman"/>
+              <a:ea typeface="Times New Roman"/>
+              <a:cs typeface="Times New Roman"/>
+              <a:sym typeface="Times New Roman"/>
+            </a:endParaRPr>
+          </a:p>
+          <a:p>
+            <a:pPr marL="0" lvl="0" indent="0" algn="l" rtl="0">
+              <a:spcBef>
+                <a:spcPts val="1200"/>
+              </a:spcBef>
+              <a:spcAft>
+                <a:spcPts val="0"/>
+              </a:spcAft>
+              <a:buSzPts val="935"/>
+              <a:buNone/>
+            </a:pPr>
+            <a:r>
+              <a:rPr lang="en" sz="1405">
+                <a:latin typeface="Times New Roman"/>
+                <a:ea typeface="Times New Roman"/>
+                <a:cs typeface="Times New Roman"/>
+                <a:sym typeface="Times New Roman"/>
+              </a:rPr>
+              <a:t>- </a:t>
+            </a:r>
+            <a:r>
+              <a:rPr lang="en" sz="1405" b="1">
+                <a:latin typeface="Times New Roman"/>
+                <a:ea typeface="Times New Roman"/>
+                <a:cs typeface="Times New Roman"/>
+                <a:sym typeface="Times New Roman"/>
+              </a:rPr>
+              <a:t>ImageDataGenerator: </a:t>
+            </a:r>
+            <a:r>
+              <a:rPr lang="en" sz="1405">
+                <a:latin typeface="Times New Roman"/>
+                <a:ea typeface="Times New Roman"/>
+                <a:cs typeface="Times New Roman"/>
+                <a:sym typeface="Times New Roman"/>
+              </a:rPr>
+              <a:t>Used for real-time data augmentation. This will apply various transformations to the image and mask during training.</a:t>
+            </a:r>
+            <a:endParaRPr sz="1405">
+              <a:latin typeface="Times New Roman"/>
+              <a:ea typeface="Times New Roman"/>
+              <a:cs typeface="Times New Roman"/>
+              <a:sym typeface="Times New Roman"/>
+            </a:endParaRPr>
+          </a:p>
+          <a:p>
+            <a:pPr marL="0" lvl="0" indent="0" algn="l" rtl="0">
+              <a:spcBef>
+                <a:spcPts val="1200"/>
+              </a:spcBef>
+              <a:spcAft>
+                <a:spcPts val="0"/>
+              </a:spcAft>
+              <a:buSzPts val="935"/>
+              <a:buNone/>
+            </a:pPr>
+            <a:r>
+              <a:rPr lang="en" sz="1405">
+                <a:latin typeface="Times New Roman"/>
+                <a:ea typeface="Times New Roman"/>
+                <a:cs typeface="Times New Roman"/>
+                <a:sym typeface="Times New Roman"/>
+              </a:rPr>
+              <a:t>- </a:t>
+            </a:r>
+            <a:r>
+              <a:rPr lang="en" sz="1405" b="1">
+                <a:latin typeface="Times New Roman"/>
+                <a:ea typeface="Times New Roman"/>
+                <a:cs typeface="Times New Roman"/>
+                <a:sym typeface="Times New Roman"/>
+              </a:rPr>
+              <a:t>numpy (np): T</a:t>
+            </a:r>
+            <a:r>
+              <a:rPr lang="en" sz="1405">
+                <a:latin typeface="Times New Roman"/>
+                <a:ea typeface="Times New Roman"/>
+                <a:cs typeface="Times New Roman"/>
+                <a:sym typeface="Times New Roman"/>
+              </a:rPr>
+              <a:t>his library is used for array operations.</a:t>
+            </a:r>
+            <a:endParaRPr sz="1405">
+              <a:latin typeface="Times New Roman"/>
+              <a:ea typeface="Times New Roman"/>
+              <a:cs typeface="Times New Roman"/>
+              <a:sym typeface="Times New Roman"/>
+            </a:endParaRPr>
+          </a:p>
+          <a:p>
+            <a:pPr marL="0" lvl="0" indent="0" algn="l" rtl="0">
+              <a:spcBef>
+                <a:spcPts val="1200"/>
+              </a:spcBef>
+              <a:spcAft>
+                <a:spcPts val="0"/>
+              </a:spcAft>
+              <a:buSzPts val="935"/>
+              <a:buNone/>
+            </a:pPr>
+            <a:r>
+              <a:rPr lang="en" sz="1405">
+                <a:latin typeface="Times New Roman"/>
+                <a:ea typeface="Times New Roman"/>
+                <a:cs typeface="Times New Roman"/>
+                <a:sym typeface="Times New Roman"/>
+              </a:rPr>
+              <a:t>-</a:t>
+            </a:r>
+            <a:r>
+              <a:rPr lang="en" sz="1405" b="1">
+                <a:latin typeface="Times New Roman"/>
+                <a:ea typeface="Times New Roman"/>
+                <a:cs typeface="Times New Roman"/>
+                <a:sym typeface="Times New Roman"/>
+              </a:rPr>
+              <a:t> random:</a:t>
+            </a:r>
+            <a:r>
+              <a:rPr lang="en" sz="1405">
+                <a:latin typeface="Times New Roman"/>
+                <a:ea typeface="Times New Roman"/>
+                <a:cs typeface="Times New Roman"/>
+                <a:sym typeface="Times New Roman"/>
+              </a:rPr>
+              <a:t> Used to generate random integers.</a:t>
+            </a:r>
+            <a:endParaRPr sz="1405">
+              <a:latin typeface="Times New Roman"/>
+              <a:ea typeface="Times New Roman"/>
+              <a:cs typeface="Times New Roman"/>
+              <a:sym typeface="Times New Roman"/>
+            </a:endParaRPr>
+          </a:p>
+          <a:p>
+            <a:pPr marL="0" lvl="0" indent="0" algn="l" rtl="0">
+              <a:spcBef>
+                <a:spcPts val="1200"/>
+              </a:spcBef>
+              <a:spcAft>
+                <a:spcPts val="0"/>
+              </a:spcAft>
+              <a:buSzPts val="935"/>
+              <a:buNone/>
+            </a:pPr>
+            <a:r>
+              <a:rPr lang="en" sz="1405">
+                <a:latin typeface="Times New Roman"/>
+                <a:ea typeface="Times New Roman"/>
+                <a:cs typeface="Times New Roman"/>
+                <a:sym typeface="Times New Roman"/>
+              </a:rPr>
+              <a:t>- </a:t>
+            </a:r>
+            <a:r>
+              <a:rPr lang="en" sz="1405" b="1">
+                <a:latin typeface="Times New Roman"/>
+                <a:ea typeface="Times New Roman"/>
+                <a:cs typeface="Times New Roman"/>
+                <a:sym typeface="Times New Roman"/>
+              </a:rPr>
+              <a:t>matplotlib.pyplot: </a:t>
+            </a:r>
+            <a:r>
+              <a:rPr lang="en" sz="1405">
+                <a:latin typeface="Times New Roman"/>
+                <a:ea typeface="Times New Roman"/>
+                <a:cs typeface="Times New Roman"/>
+                <a:sym typeface="Times New Roman"/>
+              </a:rPr>
+              <a:t>A popular library for plotting images and other graphical data.</a:t>
+            </a:r>
+            <a:endParaRPr sz="1405">
+              <a:latin typeface="Times New Roman"/>
+              <a:ea typeface="Times New Roman"/>
+              <a:cs typeface="Times New Roman"/>
+              <a:sym typeface="Times New Roman"/>
+            </a:endParaRPr>
+          </a:p>
+          <a:p>
+            <a:pPr marL="0" lvl="0" indent="0" algn="l" rtl="0">
+              <a:spcBef>
+                <a:spcPts val="1200"/>
+              </a:spcBef>
+              <a:spcAft>
+                <a:spcPts val="1200"/>
+              </a:spcAft>
+              <a:buSzPts val="935"/>
+              <a:buNone/>
+            </a:pPr>
+            <a:endParaRPr sz="1405">
+              <a:latin typeface="Times New Roman"/>
+              <a:ea typeface="Times New Roman"/>
+              <a:cs typeface="Times New Roman"/>
+              <a:sym typeface="Times New Roman"/>
+            </a:endParaRPr>
+          </a:p>
+        </p:txBody>
+      </p:sp>
+      <p:pic>
+        <p:nvPicPr>
+          <p:cNvPr id="127" name="Google Shape;127;p19"/>
+          <p:cNvPicPr preferRelativeResize="0"/>
+          <p:nvPr/>
+        </p:nvPicPr>
+        <p:blipFill>
+          <a:blip r:embed="rId3">
+            <a:alphaModFix/>
+          </a:blip>
+          <a:stretch>
+            <a:fillRect/>
+          </a:stretch>
+        </p:blipFill>
+        <p:spPr>
+          <a:xfrm>
+            <a:off x="5143475" y="2887425"/>
+            <a:ext cx="3910225" cy="1013850"/>
+          </a:xfrm>
+          <a:prstGeom prst="rect">
+            <a:avLst/>
+          </a:prstGeom>
+          <a:noFill/>
+          <a:ln>
+            <a:noFill/>
+          </a:ln>
+        </p:spPr>
+      </p:pic>
+    </p:spTree>
+  </p:cSld>
+  <p:clrMapOvr>
+    <a:masterClrMapping/>
+  </p:clrMapOvr>
+</p:sld>
+</file>
+
+<file path=ppt/slides/slide8.xml><?xml version="1.0" encoding="utf-8"?>
+<p:sld xmlns:a="http://schemas.openxmlformats.org/drawingml/2006/main" xmlns:r="http://schemas.openxmlformats.org/officeDocument/2006/relationships" xmlns:p="http://schemas.openxmlformats.org/presentationml/2006/main">
+  <p:cSld>
+    <p:spTree>
+      <p:nvGrpSpPr>
+        <p:cNvPr id="1" name="Shape 131"/>
+        <p:cNvGrpSpPr/>
+        <p:nvPr/>
+      </p:nvGrpSpPr>
+      <p:grpSpPr>
+        <a:xfrm>
+          <a:off x="0" y="0"/>
+          <a:ext cx="0" cy="0"/>
+          <a:chOff x="0" y="0"/>
+          <a:chExt cx="0" cy="0"/>
+        </a:xfrm>
+      </p:grpSpPr>
+      <p:sp>
+        <p:nvSpPr>
+          <p:cNvPr id="132" name="Google Shape;132;p20"/>
+          <p:cNvSpPr txBox="1">
+            <a:spLocks noGrp="1"/>
+          </p:cNvSpPr>
+          <p:nvPr>
+            <p:ph type="title"/>
+          </p:nvPr>
+        </p:nvSpPr>
+        <p:spPr>
+          <a:xfrm>
+            <a:off x="729450" y="1318650"/>
+            <a:ext cx="7688700" cy="535200"/>
+          </a:xfrm>
+          <a:prstGeom prst="rect">
+            <a:avLst/>
+          </a:prstGeom>
+        </p:spPr>
+        <p:txBody>
+          <a:bodyPr spcFirstLastPara="1" wrap="square" lIns="91425" tIns="91425" rIns="91425" bIns="91425" anchor="t" anchorCtr="0">
+            <a:normAutofit fontScale="90000"/>
+          </a:bodyPr>
+          <a:lstStyle/>
+          <a:p>
+            <a:pPr marL="0" lvl="0" indent="0" algn="l" rtl="0">
+              <a:spcBef>
+                <a:spcPts val="0"/>
+              </a:spcBef>
+              <a:spcAft>
+                <a:spcPts val="0"/>
+              </a:spcAft>
+              <a:buNone/>
+            </a:pPr>
+            <a:r>
+              <a:rPr lang="en"/>
+              <a:t>Data Augmentation for Images and Masks</a:t>
+            </a:r>
+            <a:endParaRPr/>
+          </a:p>
+        </p:txBody>
+      </p:sp>
+      <p:sp>
+        <p:nvSpPr>
+          <p:cNvPr id="133" name="Google Shape;133;p20"/>
+          <p:cNvSpPr txBox="1">
+            <a:spLocks noGrp="1"/>
+          </p:cNvSpPr>
+          <p:nvPr>
+            <p:ph type="body" idx="1"/>
+          </p:nvPr>
+        </p:nvSpPr>
+        <p:spPr>
+          <a:xfrm>
+            <a:off x="729450" y="1853850"/>
+            <a:ext cx="5785200" cy="3064800"/>
+          </a:xfrm>
+          <a:prstGeom prst="rect">
+            <a:avLst/>
+          </a:prstGeom>
+        </p:spPr>
+        <p:txBody>
+          <a:bodyPr spcFirstLastPara="1" wrap="square" lIns="91425" tIns="91425" rIns="91425" bIns="91425" anchor="t" anchorCtr="0">
+            <a:noAutofit/>
+          </a:bodyPr>
+          <a:lstStyle/>
+          <a:p>
+            <a:pPr marL="0" lvl="0" indent="0" algn="l" rtl="0">
+              <a:lnSpc>
+                <a:spcPct val="95000"/>
+              </a:lnSpc>
+              <a:spcBef>
+                <a:spcPts val="1200"/>
+              </a:spcBef>
+              <a:spcAft>
+                <a:spcPts val="0"/>
+              </a:spcAft>
+              <a:buSzPts val="1018"/>
+              <a:buNone/>
+            </a:pPr>
+            <a:r>
+              <a:rPr lang="en" sz="1402">
+                <a:latin typeface="Times New Roman"/>
+                <a:ea typeface="Times New Roman"/>
+                <a:cs typeface="Times New Roman"/>
+                <a:sym typeface="Times New Roman"/>
+              </a:rPr>
+              <a:t>- </a:t>
+            </a:r>
+            <a:r>
+              <a:rPr lang="en" sz="1402" b="1">
+                <a:latin typeface="Times New Roman"/>
+                <a:ea typeface="Times New Roman"/>
+                <a:cs typeface="Times New Roman"/>
+                <a:sym typeface="Times New Roman"/>
+              </a:rPr>
+              <a:t>rotation_range: </a:t>
+            </a:r>
+            <a:r>
+              <a:rPr lang="en" sz="1402">
+                <a:latin typeface="Times New Roman"/>
+                <a:ea typeface="Times New Roman"/>
+                <a:cs typeface="Times New Roman"/>
+                <a:sym typeface="Times New Roman"/>
+              </a:rPr>
+              <a:t>Randomly rotate the image by up to 60 degrees.</a:t>
+            </a:r>
+            <a:endParaRPr sz="1402">
+              <a:latin typeface="Times New Roman"/>
+              <a:ea typeface="Times New Roman"/>
+              <a:cs typeface="Times New Roman"/>
+              <a:sym typeface="Times New Roman"/>
+            </a:endParaRPr>
+          </a:p>
+          <a:p>
+            <a:pPr marL="0" lvl="0" indent="0" algn="l" rtl="0">
+              <a:lnSpc>
+                <a:spcPct val="95000"/>
+              </a:lnSpc>
+              <a:spcBef>
+                <a:spcPts val="1200"/>
+              </a:spcBef>
+              <a:spcAft>
+                <a:spcPts val="0"/>
+              </a:spcAft>
+              <a:buSzPts val="1018"/>
+              <a:buNone/>
+            </a:pPr>
+            <a:r>
+              <a:rPr lang="en" sz="1402">
+                <a:latin typeface="Times New Roman"/>
+                <a:ea typeface="Times New Roman"/>
+                <a:cs typeface="Times New Roman"/>
+                <a:sym typeface="Times New Roman"/>
+              </a:rPr>
+              <a:t>- </a:t>
+            </a:r>
+            <a:r>
+              <a:rPr lang="en" sz="1402" b="1">
+                <a:latin typeface="Times New Roman"/>
+                <a:ea typeface="Times New Roman"/>
+                <a:cs typeface="Times New Roman"/>
+                <a:sym typeface="Times New Roman"/>
+              </a:rPr>
+              <a:t>width_shift_range and height_shift_range:</a:t>
+            </a:r>
+            <a:r>
+              <a:rPr lang="en" sz="1402">
+                <a:latin typeface="Times New Roman"/>
+                <a:ea typeface="Times New Roman"/>
+                <a:cs typeface="Times New Roman"/>
+                <a:sym typeface="Times New Roman"/>
+              </a:rPr>
+              <a:t> Shift the image horizontally or vertically by up to 30% of the total width or height.</a:t>
+            </a:r>
+            <a:endParaRPr sz="1402">
+              <a:latin typeface="Times New Roman"/>
+              <a:ea typeface="Times New Roman"/>
+              <a:cs typeface="Times New Roman"/>
+              <a:sym typeface="Times New Roman"/>
+            </a:endParaRPr>
+          </a:p>
+          <a:p>
+            <a:pPr marL="0" lvl="0" indent="0" algn="l" rtl="0">
+              <a:lnSpc>
+                <a:spcPct val="95000"/>
+              </a:lnSpc>
+              <a:spcBef>
+                <a:spcPts val="1200"/>
+              </a:spcBef>
+              <a:spcAft>
+                <a:spcPts val="0"/>
+              </a:spcAft>
+              <a:buSzPts val="1018"/>
+              <a:buNone/>
+            </a:pPr>
+            <a:r>
+              <a:rPr lang="en" sz="1402">
+                <a:latin typeface="Times New Roman"/>
+                <a:ea typeface="Times New Roman"/>
+                <a:cs typeface="Times New Roman"/>
+                <a:sym typeface="Times New Roman"/>
+              </a:rPr>
+              <a:t>- </a:t>
+            </a:r>
+            <a:r>
+              <a:rPr lang="en" sz="1402" b="1">
+                <a:latin typeface="Times New Roman"/>
+                <a:ea typeface="Times New Roman"/>
+                <a:cs typeface="Times New Roman"/>
+                <a:sym typeface="Times New Roman"/>
+              </a:rPr>
+              <a:t>shear_range:</a:t>
+            </a:r>
+            <a:r>
+              <a:rPr lang="en" sz="1402">
+                <a:latin typeface="Times New Roman"/>
+                <a:ea typeface="Times New Roman"/>
+                <a:cs typeface="Times New Roman"/>
+                <a:sym typeface="Times New Roman"/>
+              </a:rPr>
+              <a:t> Shearing the image to 30%, distorting it in a linear direction.</a:t>
+            </a:r>
+            <a:endParaRPr sz="1402">
+              <a:latin typeface="Times New Roman"/>
+              <a:ea typeface="Times New Roman"/>
+              <a:cs typeface="Times New Roman"/>
+              <a:sym typeface="Times New Roman"/>
+            </a:endParaRPr>
+          </a:p>
+          <a:p>
+            <a:pPr marL="0" lvl="0" indent="0" algn="l" rtl="0">
+              <a:lnSpc>
+                <a:spcPct val="95000"/>
+              </a:lnSpc>
+              <a:spcBef>
+                <a:spcPts val="1200"/>
+              </a:spcBef>
+              <a:spcAft>
+                <a:spcPts val="0"/>
+              </a:spcAft>
+              <a:buSzPts val="1018"/>
+              <a:buNone/>
+            </a:pPr>
+            <a:r>
+              <a:rPr lang="en" sz="1402">
+                <a:latin typeface="Times New Roman"/>
+                <a:ea typeface="Times New Roman"/>
+                <a:cs typeface="Times New Roman"/>
+                <a:sym typeface="Times New Roman"/>
+              </a:rPr>
+              <a:t>- </a:t>
+            </a:r>
+            <a:r>
+              <a:rPr lang="en" sz="1402" b="1">
+                <a:latin typeface="Times New Roman"/>
+                <a:ea typeface="Times New Roman"/>
+                <a:cs typeface="Times New Roman"/>
+                <a:sym typeface="Times New Roman"/>
+              </a:rPr>
+              <a:t>zoom_range: </a:t>
+            </a:r>
+            <a:r>
+              <a:rPr lang="en" sz="1402">
+                <a:latin typeface="Times New Roman"/>
+                <a:ea typeface="Times New Roman"/>
+                <a:cs typeface="Times New Roman"/>
+                <a:sym typeface="Times New Roman"/>
+              </a:rPr>
+              <a:t>Randomly zoom into the image, with a minimum zoom of 0.7x and a maximum zoom of 1.6x.</a:t>
+            </a:r>
+            <a:endParaRPr sz="1402">
+              <a:latin typeface="Times New Roman"/>
+              <a:ea typeface="Times New Roman"/>
+              <a:cs typeface="Times New Roman"/>
+              <a:sym typeface="Times New Roman"/>
+            </a:endParaRPr>
+          </a:p>
+          <a:p>
+            <a:pPr marL="0" lvl="0" indent="0" algn="l" rtl="0">
+              <a:lnSpc>
+                <a:spcPct val="95000"/>
+              </a:lnSpc>
+              <a:spcBef>
+                <a:spcPts val="1200"/>
+              </a:spcBef>
+              <a:spcAft>
+                <a:spcPts val="0"/>
+              </a:spcAft>
+              <a:buSzPts val="1018"/>
+              <a:buNone/>
+            </a:pPr>
+            <a:r>
+              <a:rPr lang="en" sz="1402">
+                <a:latin typeface="Times New Roman"/>
+                <a:ea typeface="Times New Roman"/>
+                <a:cs typeface="Times New Roman"/>
+                <a:sym typeface="Times New Roman"/>
+              </a:rPr>
+              <a:t>- </a:t>
+            </a:r>
+            <a:r>
+              <a:rPr lang="en" sz="1402" b="1">
+                <a:latin typeface="Times New Roman"/>
+                <a:ea typeface="Times New Roman"/>
+                <a:cs typeface="Times New Roman"/>
+                <a:sym typeface="Times New Roman"/>
+              </a:rPr>
+              <a:t>fill_mode="reflect": </a:t>
+            </a:r>
+            <a:r>
+              <a:rPr lang="en" sz="1402">
+                <a:latin typeface="Times New Roman"/>
+                <a:ea typeface="Times New Roman"/>
+                <a:cs typeface="Times New Roman"/>
+                <a:sym typeface="Times New Roman"/>
+              </a:rPr>
+              <a:t>The empty areas after rotation, shifting, or shearing will be filled with a reflection of the image.</a:t>
+            </a:r>
+            <a:endParaRPr sz="1402">
+              <a:latin typeface="Times New Roman"/>
+              <a:ea typeface="Times New Roman"/>
+              <a:cs typeface="Times New Roman"/>
+              <a:sym typeface="Times New Roman"/>
+            </a:endParaRPr>
+          </a:p>
+          <a:p>
+            <a:pPr marL="0" lvl="0" indent="0" algn="l" rtl="0">
+              <a:lnSpc>
+                <a:spcPct val="95000"/>
+              </a:lnSpc>
+              <a:spcBef>
+                <a:spcPts val="1200"/>
+              </a:spcBef>
+              <a:spcAft>
+                <a:spcPts val="0"/>
+              </a:spcAft>
+              <a:buSzPts val="1018"/>
+              <a:buNone/>
+            </a:pPr>
+            <a:r>
+              <a:rPr lang="en" sz="1402">
+                <a:latin typeface="Times New Roman"/>
+                <a:ea typeface="Times New Roman"/>
+                <a:cs typeface="Times New Roman"/>
+                <a:sym typeface="Times New Roman"/>
+              </a:rPr>
+              <a:t>- </a:t>
+            </a:r>
+            <a:r>
+              <a:rPr lang="en" sz="1402" b="1">
+                <a:latin typeface="Times New Roman"/>
+                <a:ea typeface="Times New Roman"/>
+                <a:cs typeface="Times New Roman"/>
+                <a:sym typeface="Times New Roman"/>
+              </a:rPr>
+              <a:t>horizontal_flip and vertical_flip</a:t>
+            </a:r>
+            <a:r>
+              <a:rPr lang="en" sz="1402">
+                <a:latin typeface="Times New Roman"/>
+                <a:ea typeface="Times New Roman"/>
+                <a:cs typeface="Times New Roman"/>
+                <a:sym typeface="Times New Roman"/>
+              </a:rPr>
+              <a:t>: Flip the image horizontally and vertically randomly.</a:t>
+            </a:r>
+            <a:endParaRPr sz="1402">
+              <a:latin typeface="Times New Roman"/>
+              <a:ea typeface="Times New Roman"/>
+              <a:cs typeface="Times New Roman"/>
+              <a:sym typeface="Times New Roman"/>
+            </a:endParaRPr>
+          </a:p>
+          <a:p>
+            <a:pPr marL="0" lvl="0" indent="0" algn="l" rtl="0">
+              <a:lnSpc>
+                <a:spcPct val="95000"/>
+              </a:lnSpc>
+              <a:spcBef>
+                <a:spcPts val="1200"/>
+              </a:spcBef>
+              <a:spcAft>
+                <a:spcPts val="1200"/>
+              </a:spcAft>
+              <a:buSzPts val="1018"/>
+              <a:buNone/>
+            </a:pPr>
+            <a:endParaRPr sz="1402">
+              <a:latin typeface="Times New Roman"/>
+              <a:ea typeface="Times New Roman"/>
+              <a:cs typeface="Times New Roman"/>
+              <a:sym typeface="Times New Roman"/>
+            </a:endParaRPr>
+          </a:p>
+        </p:txBody>
+      </p:sp>
+      <p:pic>
+        <p:nvPicPr>
+          <p:cNvPr id="134" name="Google Shape;134;p20"/>
+          <p:cNvPicPr preferRelativeResize="0"/>
+          <p:nvPr/>
+        </p:nvPicPr>
+        <p:blipFill>
+          <a:blip r:embed="rId3">
+            <a:alphaModFix/>
+          </a:blip>
+          <a:stretch>
+            <a:fillRect/>
+          </a:stretch>
+        </p:blipFill>
+        <p:spPr>
+          <a:xfrm>
+            <a:off x="6587250" y="2107638"/>
+            <a:ext cx="2324550" cy="2203570"/>
+          </a:xfrm>
+          <a:prstGeom prst="rect">
+            <a:avLst/>
+          </a:prstGeom>
+          <a:noFill/>
+          <a:ln>
+            <a:noFill/>
+          </a:ln>
+        </p:spPr>
+      </p:pic>
+    </p:spTree>
+  </p:cSld>
+  <p:clrMapOvr>
+    <a:masterClrMapping/>
+  </p:clrMapOvr>
+</p:sld>
+</file>
+
+<file path=ppt/slides/slide9.xml><?xml version="1.0" encoding="utf-8"?>
+<p:sld xmlns:a="http://schemas.openxmlformats.org/drawingml/2006/main" xmlns:r="http://schemas.openxmlformats.org/officeDocument/2006/relationships" xmlns:p="http://schemas.openxmlformats.org/presentationml/2006/main">
+  <p:cSld>
+    <p:spTree>
+      <p:nvGrpSpPr>
+        <p:cNvPr id="1" name="Shape 138"/>
+        <p:cNvGrpSpPr/>
+        <p:nvPr/>
+      </p:nvGrpSpPr>
+      <p:grpSpPr>
+        <a:xfrm>
+          <a:off x="0" y="0"/>
+          <a:ext cx="0" cy="0"/>
+          <a:chOff x="0" y="0"/>
+          <a:chExt cx="0" cy="0"/>
+        </a:xfrm>
+      </p:grpSpPr>
+      <p:sp>
+        <p:nvSpPr>
+          <p:cNvPr id="139" name="Google Shape;139;p21"/>
+          <p:cNvSpPr txBox="1">
+            <a:spLocks noGrp="1"/>
+          </p:cNvSpPr>
+          <p:nvPr>
+            <p:ph type="title"/>
+          </p:nvPr>
+        </p:nvSpPr>
+        <p:spPr>
+          <a:xfrm>
+            <a:off x="729450" y="1318650"/>
+            <a:ext cx="7688700" cy="535200"/>
+          </a:xfrm>
+          <a:prstGeom prst="rect">
+            <a:avLst/>
+          </a:prstGeom>
+        </p:spPr>
+        <p:txBody>
+          <a:bodyPr spcFirstLastPara="1" wrap="square" lIns="91425" tIns="91425" rIns="91425" bIns="91425" anchor="t" anchorCtr="0">
+            <a:normAutofit fontScale="90000"/>
+          </a:bodyPr>
+          <a:lstStyle/>
+          <a:p>
+            <a:pPr marL="0" lvl="0" indent="0" algn="l" rtl="0">
+              <a:spcBef>
+                <a:spcPts val="0"/>
+              </a:spcBef>
+              <a:spcAft>
+                <a:spcPts val="0"/>
+              </a:spcAft>
+              <a:buNone/>
+            </a:pPr>
+            <a:r>
+              <a:rPr lang="en"/>
+              <a:t>Creating Image and Mask Generators</a:t>
+            </a:r>
+            <a:endParaRPr/>
+          </a:p>
+        </p:txBody>
+      </p:sp>
+      <p:sp>
+        <p:nvSpPr>
+          <p:cNvPr id="140" name="Google Shape;140;p21"/>
+          <p:cNvSpPr txBox="1">
+            <a:spLocks noGrp="1"/>
+          </p:cNvSpPr>
+          <p:nvPr>
+            <p:ph type="body" idx="1"/>
+          </p:nvPr>
+        </p:nvSpPr>
+        <p:spPr>
+          <a:xfrm>
+            <a:off x="729450" y="2078875"/>
+            <a:ext cx="5611200" cy="2261100"/>
+          </a:xfrm>
+          <a:prstGeom prst="rect">
+            <a:avLst/>
+          </a:prstGeom>
+        </p:spPr>
+        <p:txBody>
+          <a:bodyPr spcFirstLastPara="1" wrap="square" lIns="91425" tIns="91425" rIns="91425" bIns="91425" anchor="t" anchorCtr="0">
+            <a:noAutofit/>
+          </a:bodyPr>
+          <a:lstStyle/>
+          <a:p>
+            <a:pPr marL="0" lvl="0" indent="0" algn="l" rtl="0">
+              <a:spcBef>
+                <a:spcPts val="1200"/>
+              </a:spcBef>
+              <a:spcAft>
+                <a:spcPts val="0"/>
+              </a:spcAft>
+              <a:buNone/>
+            </a:pPr>
+            <a:r>
+              <a:rPr lang="en" sz="1400">
+                <a:latin typeface="Times New Roman"/>
+                <a:ea typeface="Times New Roman"/>
+                <a:cs typeface="Times New Roman"/>
+                <a:sym typeface="Times New Roman"/>
+              </a:rPr>
+              <a:t>- </a:t>
+            </a:r>
+            <a:r>
+              <a:rPr lang="en" sz="1400" b="1">
+                <a:latin typeface="Times New Roman"/>
+                <a:ea typeface="Times New Roman"/>
+                <a:cs typeface="Times New Roman"/>
+                <a:sym typeface="Times New Roman"/>
+              </a:rPr>
+              <a:t>x: </a:t>
+            </a:r>
+            <a:r>
+              <a:rPr lang="en" sz="1400">
+                <a:latin typeface="Times New Roman"/>
+                <a:ea typeface="Times New Roman"/>
+                <a:cs typeface="Times New Roman"/>
+                <a:sym typeface="Times New Roman"/>
+              </a:rPr>
+              <a:t>Input image dataset.</a:t>
+            </a:r>
+            <a:endParaRPr sz="1400">
+              <a:latin typeface="Times New Roman"/>
+              <a:ea typeface="Times New Roman"/>
+              <a:cs typeface="Times New Roman"/>
+              <a:sym typeface="Times New Roman"/>
+            </a:endParaRPr>
+          </a:p>
+          <a:p>
+            <a:pPr marL="0" lvl="0" indent="0" algn="l" rtl="0">
+              <a:spcBef>
+                <a:spcPts val="1200"/>
+              </a:spcBef>
+              <a:spcAft>
+                <a:spcPts val="0"/>
+              </a:spcAft>
+              <a:buNone/>
+            </a:pPr>
+            <a:r>
+              <a:rPr lang="en" sz="1400">
+                <a:latin typeface="Times New Roman"/>
+                <a:ea typeface="Times New Roman"/>
+                <a:cs typeface="Times New Roman"/>
+                <a:sym typeface="Times New Roman"/>
+              </a:rPr>
+              <a:t>- </a:t>
+            </a:r>
+            <a:r>
+              <a:rPr lang="en" sz="1400" b="1">
+                <a:latin typeface="Times New Roman"/>
+                <a:ea typeface="Times New Roman"/>
+                <a:cs typeface="Times New Roman"/>
+                <a:sym typeface="Times New Roman"/>
+              </a:rPr>
+              <a:t>y: </a:t>
+            </a:r>
+            <a:r>
+              <a:rPr lang="en" sz="1400">
+                <a:latin typeface="Times New Roman"/>
+                <a:ea typeface="Times New Roman"/>
+                <a:cs typeface="Times New Roman"/>
+                <a:sym typeface="Times New Roman"/>
+              </a:rPr>
+              <a:t>Input mask dataset.</a:t>
+            </a:r>
+            <a:endParaRPr sz="1400">
+              <a:latin typeface="Times New Roman"/>
+              <a:ea typeface="Times New Roman"/>
+              <a:cs typeface="Times New Roman"/>
+              <a:sym typeface="Times New Roman"/>
+            </a:endParaRPr>
+          </a:p>
+          <a:p>
+            <a:pPr marL="0" lvl="0" indent="0" algn="l" rtl="0">
+              <a:spcBef>
+                <a:spcPts val="1200"/>
+              </a:spcBef>
+              <a:spcAft>
+                <a:spcPts val="0"/>
+              </a:spcAft>
+              <a:buNone/>
+            </a:pPr>
+            <a:r>
+              <a:rPr lang="en" sz="1400">
+                <a:latin typeface="Times New Roman"/>
+                <a:ea typeface="Times New Roman"/>
+                <a:cs typeface="Times New Roman"/>
+                <a:sym typeface="Times New Roman"/>
+              </a:rPr>
+              <a:t>- </a:t>
+            </a:r>
+            <a:r>
+              <a:rPr lang="en" sz="1400" b="1">
+                <a:latin typeface="Times New Roman"/>
+                <a:ea typeface="Times New Roman"/>
+                <a:cs typeface="Times New Roman"/>
+                <a:sym typeface="Times New Roman"/>
+              </a:rPr>
+              <a:t>batch_size: </a:t>
+            </a:r>
+            <a:r>
+              <a:rPr lang="en" sz="1400">
+                <a:latin typeface="Times New Roman"/>
+                <a:ea typeface="Times New Roman"/>
+                <a:cs typeface="Times New Roman"/>
+                <a:sym typeface="Times New Roman"/>
+              </a:rPr>
+              <a:t>Number of images to generate per batch (in this case, 16).</a:t>
+            </a:r>
+            <a:endParaRPr sz="1400">
+              <a:latin typeface="Times New Roman"/>
+              <a:ea typeface="Times New Roman"/>
+              <a:cs typeface="Times New Roman"/>
+              <a:sym typeface="Times New Roman"/>
+            </a:endParaRPr>
+          </a:p>
+          <a:p>
+            <a:pPr marL="0" lvl="0" indent="0" algn="l" rtl="0">
+              <a:spcBef>
+                <a:spcPts val="1200"/>
+              </a:spcBef>
+              <a:spcAft>
+                <a:spcPts val="0"/>
+              </a:spcAft>
+              <a:buNone/>
+            </a:pPr>
+            <a:r>
+              <a:rPr lang="en" sz="1400">
+                <a:latin typeface="Times New Roman"/>
+                <a:ea typeface="Times New Roman"/>
+                <a:cs typeface="Times New Roman"/>
+                <a:sym typeface="Times New Roman"/>
+              </a:rPr>
+              <a:t>- </a:t>
+            </a:r>
+            <a:r>
+              <a:rPr lang="en" sz="1400" b="1">
+                <a:latin typeface="Times New Roman"/>
+                <a:ea typeface="Times New Roman"/>
+                <a:cs typeface="Times New Roman"/>
+                <a:sym typeface="Times New Roman"/>
+              </a:rPr>
+              <a:t>seed: </a:t>
+            </a:r>
+            <a:r>
+              <a:rPr lang="en" sz="1400">
+                <a:latin typeface="Times New Roman"/>
+                <a:ea typeface="Times New Roman"/>
+                <a:cs typeface="Times New Roman"/>
+                <a:sym typeface="Times New Roman"/>
+              </a:rPr>
+              <a:t>Ensures that the same random transformations are applied to both the image and its corresponding mask.</a:t>
+            </a:r>
+            <a:endParaRPr sz="1400">
+              <a:latin typeface="Times New Roman"/>
+              <a:ea typeface="Times New Roman"/>
+              <a:cs typeface="Times New Roman"/>
+              <a:sym typeface="Times New Roman"/>
+            </a:endParaRPr>
+          </a:p>
+          <a:p>
+            <a:pPr marL="0" lvl="0" indent="0" algn="l" rtl="0">
+              <a:spcBef>
+                <a:spcPts val="1200"/>
+              </a:spcBef>
+              <a:spcAft>
+                <a:spcPts val="1200"/>
+              </a:spcAft>
+              <a:buNone/>
+            </a:pPr>
+            <a:endParaRPr sz="1400">
+              <a:latin typeface="Times New Roman"/>
+              <a:ea typeface="Times New Roman"/>
+              <a:cs typeface="Times New Roman"/>
+              <a:sym typeface="Times New Roman"/>
+            </a:endParaRPr>
+          </a:p>
+        </p:txBody>
+      </p:sp>
+      <p:pic>
+        <p:nvPicPr>
+          <p:cNvPr id="141" name="Google Shape;141;p21"/>
+          <p:cNvPicPr preferRelativeResize="0"/>
+          <p:nvPr/>
+        </p:nvPicPr>
+        <p:blipFill>
+          <a:blip r:embed="rId3">
+            <a:alphaModFix/>
+          </a:blip>
+          <a:stretch>
+            <a:fillRect/>
+          </a:stretch>
+        </p:blipFill>
+        <p:spPr>
+          <a:xfrm>
+            <a:off x="6210125" y="1853850"/>
+            <a:ext cx="2498550" cy="1968088"/>
+          </a:xfrm>
+          <a:prstGeom prst="rect">
+            <a:avLst/>
+          </a:prstGeom>
+          <a:noFill/>
+          <a:ln>
+            <a:noFill/>
+          </a:ln>
+        </p:spPr>
+      </p:pic>
     </p:spTree>
   </p:cSld>
   <p:clrMapOvr>
